--- a/ppt_writeup/Team7Project.pptx
+++ b/ppt_writeup/Team7Project.pptx
@@ -6,25 +6,35 @@
     <p:sldMasterId id="2147483650" r:id="rId2"/>
   </p:sldMasterIdLst>
   <p:notesMasterIdLst>
-    <p:notesMasterId r:id="rId16"/>
+    <p:notesMasterId r:id="rId26"/>
   </p:notesMasterIdLst>
   <p:handoutMasterIdLst>
-    <p:handoutMasterId r:id="rId17"/>
+    <p:handoutMasterId r:id="rId27"/>
   </p:handoutMasterIdLst>
   <p:sldIdLst>
     <p:sldId id="256" r:id="rId3"/>
     <p:sldId id="257" r:id="rId4"/>
-    <p:sldId id="259" r:id="rId5"/>
-    <p:sldId id="260" r:id="rId6"/>
-    <p:sldId id="262" r:id="rId7"/>
-    <p:sldId id="263" r:id="rId8"/>
-    <p:sldId id="264" r:id="rId9"/>
-    <p:sldId id="265" r:id="rId10"/>
-    <p:sldId id="268" r:id="rId11"/>
-    <p:sldId id="269" r:id="rId12"/>
-    <p:sldId id="267" r:id="rId13"/>
-    <p:sldId id="266" r:id="rId14"/>
-    <p:sldId id="261" r:id="rId15"/>
+    <p:sldId id="273" r:id="rId5"/>
+    <p:sldId id="272" r:id="rId6"/>
+    <p:sldId id="259" r:id="rId7"/>
+    <p:sldId id="276" r:id="rId8"/>
+    <p:sldId id="260" r:id="rId9"/>
+    <p:sldId id="262" r:id="rId10"/>
+    <p:sldId id="263" r:id="rId11"/>
+    <p:sldId id="264" r:id="rId12"/>
+    <p:sldId id="265" r:id="rId13"/>
+    <p:sldId id="268" r:id="rId14"/>
+    <p:sldId id="269" r:id="rId15"/>
+    <p:sldId id="267" r:id="rId16"/>
+    <p:sldId id="266" r:id="rId17"/>
+    <p:sldId id="277" r:id="rId18"/>
+    <p:sldId id="280" r:id="rId19"/>
+    <p:sldId id="261" r:id="rId20"/>
+    <p:sldId id="270" r:id="rId21"/>
+    <p:sldId id="271" r:id="rId22"/>
+    <p:sldId id="279" r:id="rId23"/>
+    <p:sldId id="274" r:id="rId24"/>
+    <p:sldId id="275" r:id="rId25"/>
   </p:sldIdLst>
   <p:sldSz cx="9144000" cy="6858000" type="screen4x3"/>
   <p:notesSz cx="6858000" cy="9144000"/>
@@ -311,7 +321,7 @@
             </a:lvl1pPr>
           </a:lstStyle>
           <a:p>
-            <a:endParaRPr lang="ru-RU"/>
+            <a:endParaRPr lang="ru-RU" dirty="0"/>
           </a:p>
         </p:txBody>
       </p:sp>
@@ -379,7 +389,7 @@
             </a:lvl1pPr>
           </a:lstStyle>
           <a:p>
-            <a:endParaRPr lang="ru-RU"/>
+            <a:endParaRPr lang="ru-RU" dirty="0"/>
           </a:p>
         </p:txBody>
       </p:sp>
@@ -587,7 +597,7 @@
             </a:lvl1pPr>
           </a:lstStyle>
           <a:p>
-            <a:endParaRPr lang="ru-RU"/>
+            <a:endParaRPr lang="ru-RU" dirty="0"/>
           </a:p>
         </p:txBody>
       </p:sp>
@@ -660,7 +670,7 @@
               <a:pPr/>
               <a:t>‹#›</a:t>
             </a:fld>
-            <a:endParaRPr lang="ru-RU"/>
+            <a:endParaRPr lang="ru-RU" dirty="0"/>
           </a:p>
         </p:txBody>
       </p:sp>
@@ -797,6 +807,176 @@
 </p:notesMaster>
 </file>
 
+<file path=ppt/notesSlides/notesSlide1.xml><?xml version="1.0" encoding="utf-8"?>
+<p:notes xmlns:a="http://schemas.openxmlformats.org/drawingml/2006/main" xmlns:r="http://schemas.openxmlformats.org/officeDocument/2006/relationships" xmlns:p="http://schemas.openxmlformats.org/presentationml/2006/main">
+  <p:cSld>
+    <p:spTree>
+      <p:nvGrpSpPr>
+        <p:cNvPr id="1" name=""/>
+        <p:cNvGrpSpPr/>
+        <p:nvPr/>
+      </p:nvGrpSpPr>
+      <p:grpSpPr>
+        <a:xfrm>
+          <a:off x="0" y="0"/>
+          <a:ext cx="0" cy="0"/>
+          <a:chOff x="0" y="0"/>
+          <a:chExt cx="0" cy="0"/>
+        </a:xfrm>
+      </p:grpSpPr>
+      <p:sp>
+        <p:nvSpPr>
+          <p:cNvPr id="2" name="Slide Image Placeholder 1"/>
+          <p:cNvSpPr>
+            <a:spLocks noGrp="1" noRot="1" noChangeAspect="1"/>
+          </p:cNvSpPr>
+          <p:nvPr>
+            <p:ph type="sldImg"/>
+          </p:nvPr>
+        </p:nvSpPr>
+        <p:spPr/>
+      </p:sp>
+      <p:sp>
+        <p:nvSpPr>
+          <p:cNvPr id="3" name="Notes Placeholder 2"/>
+          <p:cNvSpPr>
+            <a:spLocks noGrp="1"/>
+          </p:cNvSpPr>
+          <p:nvPr>
+            <p:ph type="body" idx="1"/>
+          </p:nvPr>
+        </p:nvSpPr>
+        <p:spPr/>
+        <p:txBody>
+          <a:bodyPr/>
+          <a:lstStyle/>
+          <a:p>
+            <a:endParaRPr lang="en-US" dirty="0"/>
+          </a:p>
+        </p:txBody>
+      </p:sp>
+      <p:sp>
+        <p:nvSpPr>
+          <p:cNvPr id="4" name="Slide Number Placeholder 3"/>
+          <p:cNvSpPr>
+            <a:spLocks noGrp="1"/>
+          </p:cNvSpPr>
+          <p:nvPr>
+            <p:ph type="sldNum" sz="quarter" idx="5"/>
+          </p:nvPr>
+        </p:nvSpPr>
+        <p:spPr/>
+        <p:txBody>
+          <a:bodyPr/>
+          <a:lstStyle/>
+          <a:p>
+            <a:fld id="{6ADA7966-9D79-43EE-9EB1-7F9F10B20C5E}" type="slidenum">
+              <a:rPr lang="ru-RU" smtClean="0"/>
+              <a:pPr/>
+              <a:t>1</a:t>
+            </a:fld>
+            <a:endParaRPr lang="ru-RU" dirty="0"/>
+          </a:p>
+        </p:txBody>
+      </p:sp>
+    </p:spTree>
+    <p:extLst>
+      <p:ext uri="{BB962C8B-B14F-4D97-AF65-F5344CB8AC3E}">
+        <p14:creationId xmlns:p14="http://schemas.microsoft.com/office/powerpoint/2010/main" val="4000803850"/>
+      </p:ext>
+    </p:extLst>
+  </p:cSld>
+  <p:clrMapOvr>
+    <a:masterClrMapping/>
+  </p:clrMapOvr>
+</p:notes>
+</file>
+
+<file path=ppt/notesSlides/notesSlide2.xml><?xml version="1.0" encoding="utf-8"?>
+<p:notes xmlns:a="http://schemas.openxmlformats.org/drawingml/2006/main" xmlns:r="http://schemas.openxmlformats.org/officeDocument/2006/relationships" xmlns:p="http://schemas.openxmlformats.org/presentationml/2006/main">
+  <p:cSld>
+    <p:spTree>
+      <p:nvGrpSpPr>
+        <p:cNvPr id="1" name=""/>
+        <p:cNvGrpSpPr/>
+        <p:nvPr/>
+      </p:nvGrpSpPr>
+      <p:grpSpPr>
+        <a:xfrm>
+          <a:off x="0" y="0"/>
+          <a:ext cx="0" cy="0"/>
+          <a:chOff x="0" y="0"/>
+          <a:chExt cx="0" cy="0"/>
+        </a:xfrm>
+      </p:grpSpPr>
+      <p:sp>
+        <p:nvSpPr>
+          <p:cNvPr id="2" name="Slide Image Placeholder 1"/>
+          <p:cNvSpPr>
+            <a:spLocks noGrp="1" noRot="1" noChangeAspect="1"/>
+          </p:cNvSpPr>
+          <p:nvPr>
+            <p:ph type="sldImg"/>
+          </p:nvPr>
+        </p:nvSpPr>
+        <p:spPr/>
+      </p:sp>
+      <p:sp>
+        <p:nvSpPr>
+          <p:cNvPr id="3" name="Notes Placeholder 2"/>
+          <p:cNvSpPr>
+            <a:spLocks noGrp="1"/>
+          </p:cNvSpPr>
+          <p:nvPr>
+            <p:ph type="body" idx="1"/>
+          </p:nvPr>
+        </p:nvSpPr>
+        <p:spPr/>
+        <p:txBody>
+          <a:bodyPr/>
+          <a:lstStyle/>
+          <a:p>
+            <a:endParaRPr lang="en-US" dirty="0"/>
+          </a:p>
+        </p:txBody>
+      </p:sp>
+      <p:sp>
+        <p:nvSpPr>
+          <p:cNvPr id="4" name="Slide Number Placeholder 3"/>
+          <p:cNvSpPr>
+            <a:spLocks noGrp="1"/>
+          </p:cNvSpPr>
+          <p:nvPr>
+            <p:ph type="sldNum" sz="quarter" idx="5"/>
+          </p:nvPr>
+        </p:nvSpPr>
+        <p:spPr/>
+        <p:txBody>
+          <a:bodyPr/>
+          <a:lstStyle/>
+          <a:p>
+            <a:fld id="{6ADA7966-9D79-43EE-9EB1-7F9F10B20C5E}" type="slidenum">
+              <a:rPr lang="ru-RU" smtClean="0"/>
+              <a:pPr/>
+              <a:t>4</a:t>
+            </a:fld>
+            <a:endParaRPr lang="ru-RU" dirty="0"/>
+          </a:p>
+        </p:txBody>
+      </p:sp>
+    </p:spTree>
+    <p:extLst>
+      <p:ext uri="{BB962C8B-B14F-4D97-AF65-F5344CB8AC3E}">
+        <p14:creationId xmlns:p14="http://schemas.microsoft.com/office/powerpoint/2010/main" val="1945735891"/>
+      </p:ext>
+    </p:extLst>
+  </p:cSld>
+  <p:clrMapOvr>
+    <a:masterClrMapping/>
+  </p:clrMapOvr>
+</p:notes>
+</file>
+
 <file path=ppt/slideLayouts/slideLayout1.xml><?xml version="1.0" encoding="utf-8"?>
 <p:sldLayout xmlns:a="http://schemas.openxmlformats.org/drawingml/2006/main" xmlns:r="http://schemas.openxmlformats.org/officeDocument/2006/relationships" xmlns:p="http://schemas.openxmlformats.org/presentationml/2006/main" type="title" preserve="1">
   <p:cSld name="Титульный слайд">
@@ -1255,7 +1435,7 @@
             </a:lvl1pPr>
           </a:lstStyle>
           <a:p>
-            <a:endParaRPr lang="ru-RU"/>
+            <a:endParaRPr lang="ru-RU" dirty="0"/>
           </a:p>
         </p:txBody>
       </p:sp>
@@ -1278,7 +1458,7 @@
             </a:lvl1pPr>
           </a:lstStyle>
           <a:p>
-            <a:endParaRPr lang="ru-RU"/>
+            <a:endParaRPr lang="ru-RU" dirty="0"/>
           </a:p>
         </p:txBody>
       </p:sp>
@@ -1306,7 +1486,7 @@
               <a:pPr/>
               <a:t>‹#›</a:t>
             </a:fld>
-            <a:endParaRPr lang="ru-RU"/>
+            <a:endParaRPr lang="ru-RU" dirty="0"/>
           </a:p>
         </p:txBody>
       </p:sp>
@@ -1432,7 +1612,7 @@
             </a:lvl1pPr>
           </a:lstStyle>
           <a:p>
-            <a:endParaRPr lang="ru-RU"/>
+            <a:endParaRPr lang="ru-RU" dirty="0"/>
           </a:p>
         </p:txBody>
       </p:sp>
@@ -1455,7 +1635,7 @@
             </a:lvl1pPr>
           </a:lstStyle>
           <a:p>
-            <a:endParaRPr lang="ru-RU"/>
+            <a:endParaRPr lang="ru-RU" dirty="0"/>
           </a:p>
         </p:txBody>
       </p:sp>
@@ -1483,7 +1663,7 @@
               <a:pPr/>
               <a:t>‹#›</a:t>
             </a:fld>
-            <a:endParaRPr lang="ru-RU"/>
+            <a:endParaRPr lang="ru-RU" dirty="0"/>
           </a:p>
         </p:txBody>
       </p:sp>
@@ -1632,7 +1812,7 @@
             </a:lvl1pPr>
           </a:lstStyle>
           <a:p>
-            <a:endParaRPr lang="ru-RU"/>
+            <a:endParaRPr lang="ru-RU" dirty="0"/>
           </a:p>
         </p:txBody>
       </p:sp>
@@ -1655,7 +1835,7 @@
             </a:lvl1pPr>
           </a:lstStyle>
           <a:p>
-            <a:endParaRPr lang="ru-RU"/>
+            <a:endParaRPr lang="ru-RU" dirty="0"/>
           </a:p>
         </p:txBody>
       </p:sp>
@@ -1683,7 +1863,7 @@
               <a:pPr/>
               <a:t>‹#›</a:t>
             </a:fld>
-            <a:endParaRPr lang="ru-RU"/>
+            <a:endParaRPr lang="ru-RU" dirty="0"/>
           </a:p>
         </p:txBody>
       </p:sp>
@@ -1926,7 +2106,7 @@
             </a:lvl1pPr>
           </a:lstStyle>
           <a:p>
-            <a:endParaRPr lang="ru-RU"/>
+            <a:endParaRPr lang="ru-RU" dirty="0"/>
           </a:p>
         </p:txBody>
       </p:sp>
@@ -1949,7 +2129,7 @@
             </a:lvl1pPr>
           </a:lstStyle>
           <a:p>
-            <a:endParaRPr lang="ru-RU"/>
+            <a:endParaRPr lang="ru-RU" dirty="0"/>
           </a:p>
         </p:txBody>
       </p:sp>
@@ -1977,7 +2157,7 @@
               <a:pPr/>
               <a:t>‹#›</a:t>
             </a:fld>
-            <a:endParaRPr lang="ru-RU"/>
+            <a:endParaRPr lang="ru-RU" dirty="0"/>
           </a:p>
         </p:txBody>
       </p:sp>
@@ -2359,7 +2539,7 @@
             </a:lvl1pPr>
           </a:lstStyle>
           <a:p>
-            <a:endParaRPr lang="ru-RU"/>
+            <a:endParaRPr lang="ru-RU" dirty="0"/>
           </a:p>
         </p:txBody>
       </p:sp>
@@ -2382,7 +2562,7 @@
             </a:lvl1pPr>
           </a:lstStyle>
           <a:p>
-            <a:endParaRPr lang="ru-RU"/>
+            <a:endParaRPr lang="ru-RU" dirty="0"/>
           </a:p>
         </p:txBody>
       </p:sp>
@@ -2410,7 +2590,7 @@
               <a:pPr/>
               <a:t>‹#›</a:t>
             </a:fld>
-            <a:endParaRPr lang="ru-RU"/>
+            <a:endParaRPr lang="ru-RU" dirty="0"/>
           </a:p>
         </p:txBody>
       </p:sp>
@@ -2485,7 +2665,7 @@
             </a:lvl1pPr>
           </a:lstStyle>
           <a:p>
-            <a:endParaRPr lang="ru-RU"/>
+            <a:endParaRPr lang="ru-RU" dirty="0"/>
           </a:p>
         </p:txBody>
       </p:sp>
@@ -2508,7 +2688,7 @@
             </a:lvl1pPr>
           </a:lstStyle>
           <a:p>
-            <a:endParaRPr lang="ru-RU"/>
+            <a:endParaRPr lang="ru-RU" dirty="0"/>
           </a:p>
         </p:txBody>
       </p:sp>
@@ -2536,7 +2716,7 @@
               <a:pPr/>
               <a:t>‹#›</a:t>
             </a:fld>
-            <a:endParaRPr lang="ru-RU"/>
+            <a:endParaRPr lang="ru-RU" dirty="0"/>
           </a:p>
         </p:txBody>
       </p:sp>
@@ -2589,7 +2769,7 @@
             </a:lvl1pPr>
           </a:lstStyle>
           <a:p>
-            <a:endParaRPr lang="ru-RU"/>
+            <a:endParaRPr lang="ru-RU" dirty="0"/>
           </a:p>
         </p:txBody>
       </p:sp>
@@ -2612,7 +2792,7 @@
             </a:lvl1pPr>
           </a:lstStyle>
           <a:p>
-            <a:endParaRPr lang="ru-RU"/>
+            <a:endParaRPr lang="ru-RU" dirty="0"/>
           </a:p>
         </p:txBody>
       </p:sp>
@@ -2640,7 +2820,7 @@
               <a:pPr/>
               <a:t>‹#›</a:t>
             </a:fld>
-            <a:endParaRPr lang="ru-RU"/>
+            <a:endParaRPr lang="ru-RU" dirty="0"/>
           </a:p>
         </p:txBody>
       </p:sp>
@@ -2873,7 +3053,7 @@
             </a:lvl1pPr>
           </a:lstStyle>
           <a:p>
-            <a:endParaRPr lang="ru-RU"/>
+            <a:endParaRPr lang="ru-RU" dirty="0"/>
           </a:p>
         </p:txBody>
       </p:sp>
@@ -2896,7 +3076,7 @@
             </a:lvl1pPr>
           </a:lstStyle>
           <a:p>
-            <a:endParaRPr lang="ru-RU"/>
+            <a:endParaRPr lang="ru-RU" dirty="0"/>
           </a:p>
         </p:txBody>
       </p:sp>
@@ -2924,7 +3104,7 @@
               <a:pPr/>
               <a:t>‹#›</a:t>
             </a:fld>
-            <a:endParaRPr lang="ru-RU"/>
+            <a:endParaRPr lang="ru-RU" dirty="0"/>
           </a:p>
         </p:txBody>
       </p:sp>
@@ -3149,7 +3329,7 @@
             </a:lvl9pPr>
           </a:lstStyle>
           <a:p>
-            <a:endParaRPr lang="ru-RU"/>
+            <a:endParaRPr lang="ru-RU" dirty="0"/>
           </a:p>
         </p:txBody>
       </p:sp>
@@ -3237,7 +3417,7 @@
             </a:lvl1pPr>
           </a:lstStyle>
           <a:p>
-            <a:endParaRPr lang="ru-RU"/>
+            <a:endParaRPr lang="ru-RU" dirty="0"/>
           </a:p>
         </p:txBody>
       </p:sp>
@@ -3260,7 +3440,7 @@
             </a:lvl1pPr>
           </a:lstStyle>
           <a:p>
-            <a:endParaRPr lang="ru-RU"/>
+            <a:endParaRPr lang="ru-RU" dirty="0"/>
           </a:p>
         </p:txBody>
       </p:sp>
@@ -3288,7 +3468,7 @@
               <a:pPr/>
               <a:t>‹#›</a:t>
             </a:fld>
-            <a:endParaRPr lang="ru-RU"/>
+            <a:endParaRPr lang="ru-RU" dirty="0"/>
           </a:p>
         </p:txBody>
       </p:sp>
@@ -3414,7 +3594,7 @@
             </a:lvl1pPr>
           </a:lstStyle>
           <a:p>
-            <a:endParaRPr lang="ru-RU"/>
+            <a:endParaRPr lang="ru-RU" dirty="0"/>
           </a:p>
         </p:txBody>
       </p:sp>
@@ -3437,7 +3617,7 @@
             </a:lvl1pPr>
           </a:lstStyle>
           <a:p>
-            <a:endParaRPr lang="ru-RU"/>
+            <a:endParaRPr lang="ru-RU" dirty="0"/>
           </a:p>
         </p:txBody>
       </p:sp>
@@ -3465,7 +3645,7 @@
               <a:pPr/>
               <a:t>‹#›</a:t>
             </a:fld>
-            <a:endParaRPr lang="ru-RU"/>
+            <a:endParaRPr lang="ru-RU" dirty="0"/>
           </a:p>
         </p:txBody>
       </p:sp>
@@ -3601,7 +3781,7 @@
             </a:lvl1pPr>
           </a:lstStyle>
           <a:p>
-            <a:endParaRPr lang="ru-RU"/>
+            <a:endParaRPr lang="ru-RU" dirty="0"/>
           </a:p>
         </p:txBody>
       </p:sp>
@@ -3624,7 +3804,7 @@
             </a:lvl1pPr>
           </a:lstStyle>
           <a:p>
-            <a:endParaRPr lang="ru-RU"/>
+            <a:endParaRPr lang="ru-RU" dirty="0"/>
           </a:p>
         </p:txBody>
       </p:sp>
@@ -3652,7 +3832,7 @@
               <a:pPr/>
               <a:t>‹#›</a:t>
             </a:fld>
-            <a:endParaRPr lang="ru-RU"/>
+            <a:endParaRPr lang="ru-RU" dirty="0"/>
           </a:p>
         </p:txBody>
       </p:sp>
@@ -4772,7 +4952,7 @@
           </a:lstStyle>
           <a:p>
             <a:r>
-              <a:rPr lang="ru-RU"/>
+              <a:rPr lang="ru-RU" dirty="0"/>
               <a:t>Вставка рисунка</a:t>
             </a:r>
           </a:p>
@@ -5691,7 +5871,7 @@
             </a:lvl1pPr>
           </a:lstStyle>
           <a:p>
-            <a:endParaRPr lang="ru-RU"/>
+            <a:endParaRPr lang="ru-RU" dirty="0"/>
           </a:p>
         </p:txBody>
       </p:sp>
@@ -5759,7 +5939,7 @@
             </a:lvl1pPr>
           </a:lstStyle>
           <a:p>
-            <a:endParaRPr lang="ru-RU"/>
+            <a:endParaRPr lang="ru-RU" dirty="0"/>
           </a:p>
         </p:txBody>
       </p:sp>
@@ -5832,7 +6012,7 @@
               <a:pPr/>
               <a:t>‹#›</a:t>
             </a:fld>
-            <a:endParaRPr lang="ru-RU"/>
+            <a:endParaRPr lang="ru-RU" dirty="0"/>
           </a:p>
         </p:txBody>
       </p:sp>
@@ -6260,7 +6440,7 @@
           <a:p>
             <a:r>
               <a:rPr lang="en-US" sz="2400" dirty="0"/>
-              <a:t>Comparison of the Relationship of Weather to Wildfires in California in 2015 &amp; 2018 </a:t>
+              <a:t>Comparison of the Relationship of Weather to Fires in California in 2103, 2015, and 2018 </a:t>
             </a:r>
           </a:p>
         </p:txBody>
@@ -6287,11 +6467,7 @@
           <a:p>
             <a:r>
               <a:rPr lang="en-US" sz="1800" dirty="0"/>
-              <a:t>Team 7 – Ben, Lori, </a:t>
-            </a:r>
-            <a:r>
-              <a:rPr lang="en-US" sz="1800" dirty="0" err="1"/>
-              <a:t>Alimi</a:t>
+              <a:t>Team 7 – Ben, Lori, Alimi</a:t>
             </a:r>
             <a:endParaRPr lang="uk-UA" sz="1800" dirty="0"/>
           </a:p>
@@ -6306,6 +6482,1253 @@
 </file>
 
 <file path=ppt/slides/slide10.xml><?xml version="1.0" encoding="utf-8"?>
+<p:sld xmlns:a="http://schemas.openxmlformats.org/drawingml/2006/main" xmlns:r="http://schemas.openxmlformats.org/officeDocument/2006/relationships" xmlns:p="http://schemas.openxmlformats.org/presentationml/2006/main">
+  <p:cSld>
+    <p:spTree>
+      <p:nvGrpSpPr>
+        <p:cNvPr id="1" name=""/>
+        <p:cNvGrpSpPr/>
+        <p:nvPr/>
+      </p:nvGrpSpPr>
+      <p:grpSpPr>
+        <a:xfrm>
+          <a:off x="0" y="0"/>
+          <a:ext cx="0" cy="0"/>
+          <a:chOff x="0" y="0"/>
+          <a:chExt cx="0" cy="0"/>
+        </a:xfrm>
+      </p:grpSpPr>
+      <p:sp>
+        <p:nvSpPr>
+          <p:cNvPr id="195586" name="Rectangle 2"/>
+          <p:cNvSpPr>
+            <a:spLocks noGrp="1" noChangeArrowheads="1"/>
+          </p:cNvSpPr>
+          <p:nvPr>
+            <p:ph type="title"/>
+          </p:nvPr>
+        </p:nvSpPr>
+        <p:spPr>
+          <a:xfrm>
+            <a:off x="1908175" y="404813"/>
+            <a:ext cx="6767513" cy="1079500"/>
+          </a:xfrm>
+        </p:spPr>
+        <p:txBody>
+          <a:bodyPr/>
+          <a:lstStyle/>
+          <a:p>
+            <a:r>
+              <a:rPr lang="en-US" sz="2300" dirty="0"/>
+              <a:t>Plotting the Data:</a:t>
+            </a:r>
+            <a:br>
+              <a:rPr lang="en-US" sz="2300" dirty="0"/>
+            </a:br>
+            <a:r>
+              <a:rPr lang="en-US" sz="2300" dirty="0"/>
+              <a:t>Location of the fire by Longitude vs. Humidity</a:t>
+            </a:r>
+            <a:br>
+              <a:rPr lang="en-US" sz="2300" dirty="0"/>
+            </a:br>
+            <a:r>
+              <a:rPr lang="en-US" sz="2300" dirty="0"/>
+              <a:t>on the date the fire started</a:t>
+            </a:r>
+          </a:p>
+        </p:txBody>
+      </p:sp>
+      <p:sp>
+        <p:nvSpPr>
+          <p:cNvPr id="195587" name="Rectangle 3"/>
+          <p:cNvSpPr>
+            <a:spLocks noGrp="1" noChangeArrowheads="1"/>
+          </p:cNvSpPr>
+          <p:nvPr>
+            <p:ph type="body" idx="1"/>
+          </p:nvPr>
+        </p:nvSpPr>
+        <p:spPr>
+          <a:xfrm>
+            <a:off x="1908175" y="1700213"/>
+            <a:ext cx="6778625" cy="4968875"/>
+          </a:xfrm>
+        </p:spPr>
+        <p:txBody>
+          <a:bodyPr/>
+          <a:lstStyle/>
+          <a:p>
+            <a:pPr>
+              <a:lnSpc>
+                <a:spcPct val="80000"/>
+              </a:lnSpc>
+            </a:pPr>
+            <a:r>
+              <a:rPr lang="en-US" sz="1600" dirty="0"/>
+              <a:t>Is there a relationship of humidity levels</a:t>
+            </a:r>
+          </a:p>
+          <a:p>
+            <a:pPr marL="457200" lvl="1" indent="0">
+              <a:lnSpc>
+                <a:spcPct val="80000"/>
+              </a:lnSpc>
+              <a:buNone/>
+            </a:pPr>
+            <a:r>
+              <a:rPr lang="en-US" sz="1600" dirty="0"/>
+              <a:t>to the date a fire breaks out? </a:t>
+            </a:r>
+          </a:p>
+          <a:p>
+            <a:pPr marL="457200" lvl="1" indent="0">
+              <a:lnSpc>
+                <a:spcPct val="80000"/>
+              </a:lnSpc>
+              <a:buNone/>
+            </a:pPr>
+            <a:endParaRPr lang="en-US" sz="1600" dirty="0"/>
+          </a:p>
+          <a:p>
+            <a:pPr marL="400050">
+              <a:lnSpc>
+                <a:spcPct val="80000"/>
+              </a:lnSpc>
+            </a:pPr>
+            <a:r>
+              <a:rPr lang="en-US" sz="1600" dirty="0"/>
+              <a:t>How does humidity by</a:t>
+            </a:r>
+          </a:p>
+          <a:p>
+            <a:pPr marL="457200" lvl="1" indent="0">
+              <a:lnSpc>
+                <a:spcPct val="80000"/>
+              </a:lnSpc>
+              <a:buNone/>
+            </a:pPr>
+            <a:r>
+              <a:rPr lang="en-US" sz="1600" dirty="0"/>
+              <a:t>latitude (east vs west) impact</a:t>
+            </a:r>
+          </a:p>
+          <a:p>
+            <a:pPr marL="457200" lvl="1" indent="0">
+              <a:lnSpc>
+                <a:spcPct val="80000"/>
+              </a:lnSpc>
+              <a:buNone/>
+            </a:pPr>
+            <a:r>
+              <a:rPr lang="en-US" sz="1600" dirty="0"/>
+              <a:t>the start of a fire?</a:t>
+            </a:r>
+          </a:p>
+          <a:p>
+            <a:pPr marL="457200" lvl="1" indent="0">
+              <a:lnSpc>
+                <a:spcPct val="80000"/>
+              </a:lnSpc>
+              <a:buNone/>
+            </a:pPr>
+            <a:r>
+              <a:rPr lang="en-US" sz="1600" dirty="0"/>
+              <a:t> </a:t>
+            </a:r>
+          </a:p>
+          <a:p>
+            <a:pPr>
+              <a:lnSpc>
+                <a:spcPct val="80000"/>
+              </a:lnSpc>
+            </a:pPr>
+            <a:r>
+              <a:rPr lang="en-US" sz="1600" dirty="0"/>
+              <a:t>Do lower humidity levels (drier conditions)</a:t>
+            </a:r>
+          </a:p>
+          <a:p>
+            <a:pPr marL="457200" lvl="1" indent="0">
+              <a:lnSpc>
+                <a:spcPct val="80000"/>
+              </a:lnSpc>
+              <a:buNone/>
+            </a:pPr>
+            <a:r>
+              <a:rPr lang="en-US" sz="1600" dirty="0"/>
+              <a:t>lead to more fires? </a:t>
+            </a:r>
+          </a:p>
+          <a:p>
+            <a:pPr marL="0" indent="0">
+              <a:lnSpc>
+                <a:spcPct val="80000"/>
+              </a:lnSpc>
+              <a:buNone/>
+            </a:pPr>
+            <a:endParaRPr lang="en-US" sz="1600" dirty="0"/>
+          </a:p>
+          <a:p>
+            <a:pPr marL="0" indent="0">
+              <a:lnSpc>
+                <a:spcPct val="80000"/>
+              </a:lnSpc>
+              <a:buNone/>
+            </a:pPr>
+            <a:r>
+              <a:rPr lang="en-US" sz="1600" dirty="0"/>
+              <a:t>Conclusion:</a:t>
+            </a:r>
+          </a:p>
+          <a:p>
+            <a:pPr marL="0" indent="0">
+              <a:lnSpc>
+                <a:spcPct val="80000"/>
+              </a:lnSpc>
+              <a:buNone/>
+            </a:pPr>
+            <a:endParaRPr lang="en-US" sz="1600" dirty="0"/>
+          </a:p>
+          <a:p>
+            <a:pPr marL="0" indent="0">
+              <a:lnSpc>
+                <a:spcPct val="80000"/>
+              </a:lnSpc>
+              <a:buNone/>
+            </a:pPr>
+            <a:r>
+              <a:rPr lang="en-US" sz="1600" dirty="0"/>
+              <a:t>Yes, based on this data, lower humidity rates in</a:t>
+            </a:r>
+          </a:p>
+          <a:p>
+            <a:pPr marL="0" indent="0">
+              <a:lnSpc>
+                <a:spcPct val="80000"/>
+              </a:lnSpc>
+              <a:buNone/>
+            </a:pPr>
+            <a:r>
+              <a:rPr lang="en-US" sz="1600" dirty="0"/>
+              <a:t>2013 and 2018 did contribute to the start of a fire. </a:t>
+            </a:r>
+          </a:p>
+          <a:p>
+            <a:pPr marL="0" indent="0">
+              <a:lnSpc>
+                <a:spcPct val="80000"/>
+              </a:lnSpc>
+              <a:buNone/>
+            </a:pPr>
+            <a:r>
+              <a:rPr lang="en-US" sz="1600" dirty="0"/>
+              <a:t>However, the data is not consistent for 2015. </a:t>
+            </a:r>
+          </a:p>
+          <a:p>
+            <a:pPr marL="0" indent="0">
+              <a:lnSpc>
+                <a:spcPct val="80000"/>
+              </a:lnSpc>
+              <a:buNone/>
+            </a:pPr>
+            <a:endParaRPr lang="en-US" sz="1400" dirty="0"/>
+          </a:p>
+          <a:p>
+            <a:pPr marL="0" indent="0">
+              <a:lnSpc>
+                <a:spcPct val="80000"/>
+              </a:lnSpc>
+              <a:buNone/>
+            </a:pPr>
+            <a:endParaRPr lang="en-US" sz="1400" dirty="0"/>
+          </a:p>
+          <a:p>
+            <a:pPr marL="0" indent="0">
+              <a:lnSpc>
+                <a:spcPct val="80000"/>
+              </a:lnSpc>
+              <a:buNone/>
+            </a:pPr>
+            <a:endParaRPr lang="en-US" sz="1400" dirty="0"/>
+          </a:p>
+          <a:p>
+            <a:pPr marL="0" indent="0">
+              <a:lnSpc>
+                <a:spcPct val="80000"/>
+              </a:lnSpc>
+              <a:buNone/>
+            </a:pPr>
+            <a:r>
+              <a:rPr lang="en-US" sz="1400" dirty="0"/>
+              <a:t>Lower longitude = Western California </a:t>
+            </a:r>
+          </a:p>
+          <a:p>
+            <a:pPr marL="0" indent="0">
+              <a:lnSpc>
+                <a:spcPct val="80000"/>
+              </a:lnSpc>
+              <a:buNone/>
+            </a:pPr>
+            <a:r>
+              <a:rPr lang="en-US" sz="1400" dirty="0"/>
+              <a:t>Higher longitude = Eastern California</a:t>
+            </a:r>
+          </a:p>
+          <a:p>
+            <a:pPr marL="0" indent="0">
+              <a:lnSpc>
+                <a:spcPct val="80000"/>
+              </a:lnSpc>
+              <a:buNone/>
+            </a:pPr>
+            <a:endParaRPr lang="en-US" sz="1400" dirty="0"/>
+          </a:p>
+          <a:p>
+            <a:pPr marL="0" indent="0">
+              <a:lnSpc>
+                <a:spcPct val="80000"/>
+              </a:lnSpc>
+              <a:buNone/>
+            </a:pPr>
+            <a:endParaRPr lang="en-US" sz="1400" dirty="0"/>
+          </a:p>
+          <a:p>
+            <a:pPr marL="0" indent="0">
+              <a:lnSpc>
+                <a:spcPct val="80000"/>
+              </a:lnSpc>
+              <a:buNone/>
+            </a:pPr>
+            <a:endParaRPr lang="en-US" dirty="0"/>
+          </a:p>
+          <a:p>
+            <a:pPr marL="0" indent="0">
+              <a:lnSpc>
+                <a:spcPct val="80000"/>
+              </a:lnSpc>
+              <a:buNone/>
+            </a:pPr>
+            <a:endParaRPr lang="en-US" dirty="0"/>
+          </a:p>
+        </p:txBody>
+      </p:sp>
+      <p:pic>
+        <p:nvPicPr>
+          <p:cNvPr id="3" name="Picture 2">
+            <a:extLst>
+              <a:ext uri="{FF2B5EF4-FFF2-40B4-BE49-F238E27FC236}">
+                <a16:creationId xmlns:a16="http://schemas.microsoft.com/office/drawing/2014/main" id="{6A533050-8345-5C47-BF1A-D2D30239A676}"/>
+              </a:ext>
+            </a:extLst>
+          </p:cNvPr>
+          <p:cNvPicPr>
+            <a:picLocks noChangeAspect="1"/>
+          </p:cNvPicPr>
+          <p:nvPr/>
+        </p:nvPicPr>
+        <p:blipFill>
+          <a:blip r:embed="rId2">
+            <a:extLst>
+              <a:ext uri="{28A0092B-C50C-407E-A947-70E740481C1C}">
+                <a14:useLocalDpi xmlns:a14="http://schemas.microsoft.com/office/drawing/2010/main" val="0"/>
+              </a:ext>
+            </a:extLst>
+          </a:blip>
+          <a:stretch>
+            <a:fillRect/>
+          </a:stretch>
+        </p:blipFill>
+        <p:spPr>
+          <a:xfrm>
+            <a:off x="6516216" y="1751760"/>
+            <a:ext cx="2468880" cy="1645920"/>
+          </a:xfrm>
+          <a:prstGeom prst="rect">
+            <a:avLst/>
+          </a:prstGeom>
+        </p:spPr>
+      </p:pic>
+      <p:pic>
+        <p:nvPicPr>
+          <p:cNvPr id="6" name="Picture 5">
+            <a:extLst>
+              <a:ext uri="{FF2B5EF4-FFF2-40B4-BE49-F238E27FC236}">
+                <a16:creationId xmlns:a16="http://schemas.microsoft.com/office/drawing/2014/main" id="{91AAEE91-61B7-8040-A797-02E37B2935E6}"/>
+              </a:ext>
+            </a:extLst>
+          </p:cNvPr>
+          <p:cNvPicPr>
+            <a:picLocks noChangeAspect="1"/>
+          </p:cNvPicPr>
+          <p:nvPr/>
+        </p:nvPicPr>
+        <p:blipFill>
+          <a:blip r:embed="rId3">
+            <a:extLst>
+              <a:ext uri="{28A0092B-C50C-407E-A947-70E740481C1C}">
+                <a14:useLocalDpi xmlns:a14="http://schemas.microsoft.com/office/drawing/2010/main" val="0"/>
+              </a:ext>
+            </a:extLst>
+          </a:blip>
+          <a:stretch>
+            <a:fillRect/>
+          </a:stretch>
+        </p:blipFill>
+        <p:spPr>
+          <a:xfrm>
+            <a:off x="6516216" y="3377248"/>
+            <a:ext cx="2468880" cy="1645920"/>
+          </a:xfrm>
+          <a:prstGeom prst="rect">
+            <a:avLst/>
+          </a:prstGeom>
+        </p:spPr>
+      </p:pic>
+      <p:pic>
+        <p:nvPicPr>
+          <p:cNvPr id="9" name="Picture 8">
+            <a:extLst>
+              <a:ext uri="{FF2B5EF4-FFF2-40B4-BE49-F238E27FC236}">
+                <a16:creationId xmlns:a16="http://schemas.microsoft.com/office/drawing/2014/main" id="{CF8BFAA0-1333-744A-ACC6-A0EC2434C9E3}"/>
+              </a:ext>
+            </a:extLst>
+          </p:cNvPr>
+          <p:cNvPicPr>
+            <a:picLocks noChangeAspect="1"/>
+          </p:cNvPicPr>
+          <p:nvPr/>
+        </p:nvPicPr>
+        <p:blipFill>
+          <a:blip r:embed="rId4">
+            <a:extLst>
+              <a:ext uri="{28A0092B-C50C-407E-A947-70E740481C1C}">
+                <a14:useLocalDpi xmlns:a14="http://schemas.microsoft.com/office/drawing/2010/main" val="0"/>
+              </a:ext>
+            </a:extLst>
+          </a:blip>
+          <a:stretch>
+            <a:fillRect/>
+          </a:stretch>
+        </p:blipFill>
+        <p:spPr>
+          <a:xfrm>
+            <a:off x="6516216" y="5023168"/>
+            <a:ext cx="2468880" cy="1645920"/>
+          </a:xfrm>
+          <a:prstGeom prst="rect">
+            <a:avLst/>
+          </a:prstGeom>
+        </p:spPr>
+      </p:pic>
+    </p:spTree>
+    <p:extLst>
+      <p:ext uri="{BB962C8B-B14F-4D97-AF65-F5344CB8AC3E}">
+        <p14:creationId xmlns:p14="http://schemas.microsoft.com/office/powerpoint/2010/main" val="3686423176"/>
+      </p:ext>
+    </p:extLst>
+  </p:cSld>
+  <p:clrMapOvr>
+    <a:masterClrMapping/>
+  </p:clrMapOvr>
+</p:sld>
+</file>
+
+<file path=ppt/slides/slide11.xml><?xml version="1.0" encoding="utf-8"?>
+<p:sld xmlns:a="http://schemas.openxmlformats.org/drawingml/2006/main" xmlns:r="http://schemas.openxmlformats.org/officeDocument/2006/relationships" xmlns:p="http://schemas.openxmlformats.org/presentationml/2006/main">
+  <p:cSld>
+    <p:spTree>
+      <p:nvGrpSpPr>
+        <p:cNvPr id="1" name=""/>
+        <p:cNvGrpSpPr/>
+        <p:nvPr/>
+      </p:nvGrpSpPr>
+      <p:grpSpPr>
+        <a:xfrm>
+          <a:off x="0" y="0"/>
+          <a:ext cx="0" cy="0"/>
+          <a:chOff x="0" y="0"/>
+          <a:chExt cx="0" cy="0"/>
+        </a:xfrm>
+      </p:grpSpPr>
+      <p:sp>
+        <p:nvSpPr>
+          <p:cNvPr id="195586" name="Rectangle 2"/>
+          <p:cNvSpPr>
+            <a:spLocks noGrp="1" noChangeArrowheads="1"/>
+          </p:cNvSpPr>
+          <p:nvPr>
+            <p:ph type="title"/>
+          </p:nvPr>
+        </p:nvSpPr>
+        <p:spPr>
+          <a:xfrm>
+            <a:off x="1908175" y="404813"/>
+            <a:ext cx="6767513" cy="1079500"/>
+          </a:xfrm>
+        </p:spPr>
+        <p:txBody>
+          <a:bodyPr/>
+          <a:lstStyle/>
+          <a:p>
+            <a:r>
+              <a:rPr lang="en-US" sz="2300" dirty="0"/>
+              <a:t>Plotting the Data:</a:t>
+            </a:r>
+            <a:br>
+              <a:rPr lang="en-US" sz="2300" dirty="0"/>
+            </a:br>
+            <a:r>
+              <a:rPr lang="en-US" sz="2300" dirty="0"/>
+              <a:t>Weather Conditions the Day a Fire Starts - Temperature</a:t>
+            </a:r>
+          </a:p>
+        </p:txBody>
+      </p:sp>
+      <p:sp>
+        <p:nvSpPr>
+          <p:cNvPr id="195587" name="Rectangle 3"/>
+          <p:cNvSpPr>
+            <a:spLocks noGrp="1" noChangeArrowheads="1"/>
+          </p:cNvSpPr>
+          <p:nvPr>
+            <p:ph type="body" idx="1"/>
+          </p:nvPr>
+        </p:nvSpPr>
+        <p:spPr>
+          <a:xfrm>
+            <a:off x="1908175" y="1700213"/>
+            <a:ext cx="6778625" cy="4968875"/>
+          </a:xfrm>
+        </p:spPr>
+        <p:txBody>
+          <a:bodyPr/>
+          <a:lstStyle/>
+          <a:p>
+            <a:pPr>
+              <a:lnSpc>
+                <a:spcPct val="80000"/>
+              </a:lnSpc>
+            </a:pPr>
+            <a:r>
+              <a:rPr lang="en-US" sz="1600" dirty="0"/>
+              <a:t>Does the daily weather conditions increase</a:t>
+            </a:r>
+          </a:p>
+          <a:p>
+            <a:pPr marL="457200" lvl="1" indent="0">
+              <a:lnSpc>
+                <a:spcPct val="80000"/>
+              </a:lnSpc>
+              <a:buNone/>
+            </a:pPr>
+            <a:r>
+              <a:rPr lang="en-US" sz="1600" dirty="0"/>
+              <a:t>the likelihood a fire will break out?</a:t>
+            </a:r>
+          </a:p>
+          <a:p>
+            <a:pPr marL="457200" lvl="1" indent="0">
+              <a:lnSpc>
+                <a:spcPct val="80000"/>
+              </a:lnSpc>
+              <a:buNone/>
+            </a:pPr>
+            <a:r>
+              <a:rPr lang="en-US" sz="1600" dirty="0"/>
+              <a:t> </a:t>
+            </a:r>
+          </a:p>
+          <a:p>
+            <a:pPr>
+              <a:lnSpc>
+                <a:spcPct val="80000"/>
+              </a:lnSpc>
+            </a:pPr>
+            <a:r>
+              <a:rPr lang="en-US" sz="1600" dirty="0"/>
+              <a:t>Do higher temperatures lead to fires? </a:t>
+            </a:r>
+          </a:p>
+          <a:p>
+            <a:pPr>
+              <a:lnSpc>
+                <a:spcPct val="80000"/>
+              </a:lnSpc>
+            </a:pPr>
+            <a:endParaRPr lang="en-US" sz="1600" dirty="0"/>
+          </a:p>
+          <a:p>
+            <a:pPr>
+              <a:lnSpc>
+                <a:spcPct val="80000"/>
+              </a:lnSpc>
+            </a:pPr>
+            <a:r>
+              <a:rPr lang="en-US" sz="1600" dirty="0"/>
+              <a:t>Is there a “fire season” when fires are more</a:t>
+            </a:r>
+          </a:p>
+          <a:p>
+            <a:pPr marL="457200" lvl="1" indent="0">
+              <a:lnSpc>
+                <a:spcPct val="80000"/>
+              </a:lnSpc>
+              <a:buNone/>
+            </a:pPr>
+            <a:r>
+              <a:rPr lang="en-US" sz="1600" dirty="0"/>
+              <a:t>likely to break out? </a:t>
+            </a:r>
+          </a:p>
+          <a:p>
+            <a:pPr marL="0" indent="0">
+              <a:lnSpc>
+                <a:spcPct val="80000"/>
+              </a:lnSpc>
+              <a:buNone/>
+            </a:pPr>
+            <a:endParaRPr lang="en-US" sz="1600" dirty="0"/>
+          </a:p>
+          <a:p>
+            <a:pPr marL="0" indent="0">
+              <a:lnSpc>
+                <a:spcPct val="80000"/>
+              </a:lnSpc>
+              <a:buNone/>
+            </a:pPr>
+            <a:r>
+              <a:rPr lang="en-US" sz="1600" dirty="0"/>
+              <a:t>Conclusion:</a:t>
+            </a:r>
+          </a:p>
+          <a:p>
+            <a:pPr marL="0" indent="0">
+              <a:lnSpc>
+                <a:spcPct val="80000"/>
+              </a:lnSpc>
+              <a:buNone/>
+            </a:pPr>
+            <a:endParaRPr lang="en-US" sz="1600" dirty="0"/>
+          </a:p>
+          <a:p>
+            <a:pPr marL="0" indent="0">
+              <a:lnSpc>
+                <a:spcPct val="80000"/>
+              </a:lnSpc>
+              <a:buNone/>
+            </a:pPr>
+            <a:r>
+              <a:rPr lang="en-US" sz="1600" dirty="0"/>
+              <a:t>Fire season was contained to a handful of </a:t>
+            </a:r>
+          </a:p>
+          <a:p>
+            <a:pPr marL="0" indent="0">
+              <a:lnSpc>
+                <a:spcPct val="80000"/>
+              </a:lnSpc>
+              <a:buNone/>
+            </a:pPr>
+            <a:r>
+              <a:rPr lang="en-US" sz="1600" dirty="0"/>
+              <a:t>months in the year. However, during the worst</a:t>
+            </a:r>
+          </a:p>
+          <a:p>
+            <a:pPr marL="0" indent="0">
+              <a:lnSpc>
+                <a:spcPct val="80000"/>
+              </a:lnSpc>
+              <a:buNone/>
+            </a:pPr>
+            <a:r>
+              <a:rPr lang="en-US" sz="1600" dirty="0"/>
+              <a:t>year ever of fires in California (2018), fires </a:t>
+            </a:r>
+          </a:p>
+          <a:p>
+            <a:pPr marL="0" indent="0">
+              <a:lnSpc>
+                <a:spcPct val="80000"/>
+              </a:lnSpc>
+              <a:buNone/>
+            </a:pPr>
+            <a:r>
+              <a:rPr lang="en-US" sz="1600" dirty="0"/>
+              <a:t>broke out every month, especially when the </a:t>
+            </a:r>
+          </a:p>
+          <a:p>
+            <a:pPr marL="0" indent="0">
+              <a:lnSpc>
+                <a:spcPct val="80000"/>
+              </a:lnSpc>
+              <a:buNone/>
+            </a:pPr>
+            <a:r>
+              <a:rPr lang="en-US" sz="1600" dirty="0"/>
+              <a:t>temperatures were higher.</a:t>
+            </a:r>
+          </a:p>
+          <a:p>
+            <a:pPr marL="0" indent="0">
+              <a:lnSpc>
+                <a:spcPct val="80000"/>
+              </a:lnSpc>
+              <a:buNone/>
+            </a:pPr>
+            <a:endParaRPr lang="en-US" sz="1400" dirty="0"/>
+          </a:p>
+          <a:p>
+            <a:pPr marL="0" indent="0">
+              <a:lnSpc>
+                <a:spcPct val="80000"/>
+              </a:lnSpc>
+              <a:buNone/>
+            </a:pPr>
+            <a:endParaRPr lang="en-US" sz="1400" dirty="0"/>
+          </a:p>
+          <a:p>
+            <a:pPr marL="0" indent="0">
+              <a:lnSpc>
+                <a:spcPct val="80000"/>
+              </a:lnSpc>
+              <a:buNone/>
+            </a:pPr>
+            <a:endParaRPr lang="en-US" sz="1400" dirty="0"/>
+          </a:p>
+          <a:p>
+            <a:pPr marL="0" indent="0">
+              <a:lnSpc>
+                <a:spcPct val="80000"/>
+              </a:lnSpc>
+              <a:buNone/>
+            </a:pPr>
+            <a:endParaRPr lang="en-US" sz="1400" dirty="0"/>
+          </a:p>
+          <a:p>
+            <a:pPr marL="0" indent="0">
+              <a:lnSpc>
+                <a:spcPct val="80000"/>
+              </a:lnSpc>
+              <a:buNone/>
+            </a:pPr>
+            <a:endParaRPr lang="en-US" dirty="0"/>
+          </a:p>
+          <a:p>
+            <a:pPr marL="0" indent="0">
+              <a:lnSpc>
+                <a:spcPct val="80000"/>
+              </a:lnSpc>
+              <a:buNone/>
+            </a:pPr>
+            <a:endParaRPr lang="en-US" dirty="0"/>
+          </a:p>
+        </p:txBody>
+      </p:sp>
+      <p:pic>
+        <p:nvPicPr>
+          <p:cNvPr id="10" name="Picture 9">
+            <a:extLst>
+              <a:ext uri="{FF2B5EF4-FFF2-40B4-BE49-F238E27FC236}">
+                <a16:creationId xmlns:a16="http://schemas.microsoft.com/office/drawing/2014/main" id="{E9084EED-F390-CD48-842C-FC5044AAF2C4}"/>
+              </a:ext>
+            </a:extLst>
+          </p:cNvPr>
+          <p:cNvPicPr>
+            <a:picLocks noChangeAspect="1"/>
+          </p:cNvPicPr>
+          <p:nvPr/>
+        </p:nvPicPr>
+        <p:blipFill>
+          <a:blip r:embed="rId2">
+            <a:extLst>
+              <a:ext uri="{28A0092B-C50C-407E-A947-70E740481C1C}">
+                <a14:useLocalDpi xmlns:a14="http://schemas.microsoft.com/office/drawing/2010/main" val="0"/>
+              </a:ext>
+            </a:extLst>
+          </a:blip>
+          <a:stretch>
+            <a:fillRect/>
+          </a:stretch>
+        </p:blipFill>
+        <p:spPr>
+          <a:xfrm>
+            <a:off x="6425482" y="1505200"/>
+            <a:ext cx="2468880" cy="1645920"/>
+          </a:xfrm>
+          <a:prstGeom prst="rect">
+            <a:avLst/>
+          </a:prstGeom>
+        </p:spPr>
+      </p:pic>
+      <p:pic>
+        <p:nvPicPr>
+          <p:cNvPr id="14" name="Picture 13">
+            <a:extLst>
+              <a:ext uri="{FF2B5EF4-FFF2-40B4-BE49-F238E27FC236}">
+                <a16:creationId xmlns:a16="http://schemas.microsoft.com/office/drawing/2014/main" id="{E29316E7-DB31-C740-9303-FF9D5B43FFE0}"/>
+              </a:ext>
+            </a:extLst>
+          </p:cNvPr>
+          <p:cNvPicPr>
+            <a:picLocks noChangeAspect="1"/>
+          </p:cNvPicPr>
+          <p:nvPr/>
+        </p:nvPicPr>
+        <p:blipFill>
+          <a:blip r:embed="rId3">
+            <a:extLst>
+              <a:ext uri="{28A0092B-C50C-407E-A947-70E740481C1C}">
+                <a14:useLocalDpi xmlns:a14="http://schemas.microsoft.com/office/drawing/2010/main" val="0"/>
+              </a:ext>
+            </a:extLst>
+          </a:blip>
+          <a:stretch>
+            <a:fillRect/>
+          </a:stretch>
+        </p:blipFill>
+        <p:spPr>
+          <a:xfrm>
+            <a:off x="6444216" y="3192369"/>
+            <a:ext cx="2468880" cy="1645920"/>
+          </a:xfrm>
+          <a:prstGeom prst="rect">
+            <a:avLst/>
+          </a:prstGeom>
+        </p:spPr>
+      </p:pic>
+      <p:pic>
+        <p:nvPicPr>
+          <p:cNvPr id="16" name="Picture 15">
+            <a:extLst>
+              <a:ext uri="{FF2B5EF4-FFF2-40B4-BE49-F238E27FC236}">
+                <a16:creationId xmlns:a16="http://schemas.microsoft.com/office/drawing/2014/main" id="{05F7ACB9-A35C-AB48-A20F-B0DA8F7F9EB0}"/>
+              </a:ext>
+            </a:extLst>
+          </p:cNvPr>
+          <p:cNvPicPr>
+            <a:picLocks noChangeAspect="1"/>
+          </p:cNvPicPr>
+          <p:nvPr/>
+        </p:nvPicPr>
+        <p:blipFill>
+          <a:blip r:embed="rId4">
+            <a:extLst>
+              <a:ext uri="{28A0092B-C50C-407E-A947-70E740481C1C}">
+                <a14:useLocalDpi xmlns:a14="http://schemas.microsoft.com/office/drawing/2010/main" val="0"/>
+              </a:ext>
+            </a:extLst>
+          </a:blip>
+          <a:stretch>
+            <a:fillRect/>
+          </a:stretch>
+        </p:blipFill>
+        <p:spPr>
+          <a:xfrm>
+            <a:off x="6516216" y="4879538"/>
+            <a:ext cx="2468880" cy="1645920"/>
+          </a:xfrm>
+          <a:prstGeom prst="rect">
+            <a:avLst/>
+          </a:prstGeom>
+        </p:spPr>
+      </p:pic>
+    </p:spTree>
+    <p:extLst>
+      <p:ext uri="{BB962C8B-B14F-4D97-AF65-F5344CB8AC3E}">
+        <p14:creationId xmlns:p14="http://schemas.microsoft.com/office/powerpoint/2010/main" val="2223751847"/>
+      </p:ext>
+    </p:extLst>
+  </p:cSld>
+  <p:clrMapOvr>
+    <a:masterClrMapping/>
+  </p:clrMapOvr>
+</p:sld>
+</file>
+
+<file path=ppt/slides/slide12.xml><?xml version="1.0" encoding="utf-8"?>
+<p:sld xmlns:a="http://schemas.openxmlformats.org/drawingml/2006/main" xmlns:r="http://schemas.openxmlformats.org/officeDocument/2006/relationships" xmlns:p="http://schemas.openxmlformats.org/presentationml/2006/main">
+  <p:cSld>
+    <p:spTree>
+      <p:nvGrpSpPr>
+        <p:cNvPr id="1" name=""/>
+        <p:cNvGrpSpPr/>
+        <p:nvPr/>
+      </p:nvGrpSpPr>
+      <p:grpSpPr>
+        <a:xfrm>
+          <a:off x="0" y="0"/>
+          <a:ext cx="0" cy="0"/>
+          <a:chOff x="0" y="0"/>
+          <a:chExt cx="0" cy="0"/>
+        </a:xfrm>
+      </p:grpSpPr>
+      <p:sp>
+        <p:nvSpPr>
+          <p:cNvPr id="195586" name="Rectangle 2"/>
+          <p:cNvSpPr>
+            <a:spLocks noGrp="1" noChangeArrowheads="1"/>
+          </p:cNvSpPr>
+          <p:nvPr>
+            <p:ph type="title"/>
+          </p:nvPr>
+        </p:nvSpPr>
+        <p:spPr>
+          <a:xfrm>
+            <a:off x="1908175" y="404813"/>
+            <a:ext cx="6767513" cy="1079500"/>
+          </a:xfrm>
+        </p:spPr>
+        <p:txBody>
+          <a:bodyPr/>
+          <a:lstStyle/>
+          <a:p>
+            <a:r>
+              <a:rPr lang="en-US" sz="2300" dirty="0"/>
+              <a:t>Plotting the Data:</a:t>
+            </a:r>
+            <a:br>
+              <a:rPr lang="en-US" sz="2300" dirty="0"/>
+            </a:br>
+            <a:r>
+              <a:rPr lang="en-US" sz="2300" dirty="0"/>
+              <a:t>Weather Conditions the Day a Fire Starts - Humidity</a:t>
+            </a:r>
+          </a:p>
+        </p:txBody>
+      </p:sp>
+      <p:sp>
+        <p:nvSpPr>
+          <p:cNvPr id="195587" name="Rectangle 3"/>
+          <p:cNvSpPr>
+            <a:spLocks noGrp="1" noChangeArrowheads="1"/>
+          </p:cNvSpPr>
+          <p:nvPr>
+            <p:ph type="body" idx="1"/>
+          </p:nvPr>
+        </p:nvSpPr>
+        <p:spPr>
+          <a:xfrm>
+            <a:off x="1908175" y="1700213"/>
+            <a:ext cx="6778625" cy="4968875"/>
+          </a:xfrm>
+        </p:spPr>
+        <p:txBody>
+          <a:bodyPr/>
+          <a:lstStyle/>
+          <a:p>
+            <a:pPr>
+              <a:lnSpc>
+                <a:spcPct val="80000"/>
+              </a:lnSpc>
+            </a:pPr>
+            <a:r>
+              <a:rPr lang="en-US" sz="1600" dirty="0"/>
+              <a:t>Does the daily weather conditions increase</a:t>
+            </a:r>
+          </a:p>
+          <a:p>
+            <a:pPr marL="457200" lvl="1" indent="0">
+              <a:lnSpc>
+                <a:spcPct val="80000"/>
+              </a:lnSpc>
+              <a:buNone/>
+            </a:pPr>
+            <a:r>
+              <a:rPr lang="en-US" sz="1600" dirty="0"/>
+              <a:t>the likelihood a fire will break out?</a:t>
+            </a:r>
+          </a:p>
+          <a:p>
+            <a:pPr marL="457200" lvl="1" indent="0">
+              <a:lnSpc>
+                <a:spcPct val="80000"/>
+              </a:lnSpc>
+              <a:buNone/>
+            </a:pPr>
+            <a:r>
+              <a:rPr lang="en-US" sz="1600" dirty="0"/>
+              <a:t> </a:t>
+            </a:r>
+          </a:p>
+          <a:p>
+            <a:pPr>
+              <a:lnSpc>
+                <a:spcPct val="80000"/>
+              </a:lnSpc>
+            </a:pPr>
+            <a:r>
+              <a:rPr lang="en-US" sz="1600" dirty="0"/>
+              <a:t>Do humidity levels lead to fires? </a:t>
+            </a:r>
+          </a:p>
+          <a:p>
+            <a:pPr>
+              <a:lnSpc>
+                <a:spcPct val="80000"/>
+              </a:lnSpc>
+            </a:pPr>
+            <a:endParaRPr lang="en-US" sz="1600" dirty="0"/>
+          </a:p>
+          <a:p>
+            <a:pPr>
+              <a:lnSpc>
+                <a:spcPct val="80000"/>
+              </a:lnSpc>
+            </a:pPr>
+            <a:r>
+              <a:rPr lang="en-US" sz="1600" dirty="0"/>
+              <a:t>Is there a “fire season” when fires are more</a:t>
+            </a:r>
+          </a:p>
+          <a:p>
+            <a:pPr marL="457200" lvl="1" indent="0">
+              <a:lnSpc>
+                <a:spcPct val="80000"/>
+              </a:lnSpc>
+              <a:buNone/>
+            </a:pPr>
+            <a:r>
+              <a:rPr lang="en-US" sz="1600" dirty="0"/>
+              <a:t>likely to break out? </a:t>
+            </a:r>
+          </a:p>
+          <a:p>
+            <a:pPr marL="0" indent="0">
+              <a:lnSpc>
+                <a:spcPct val="80000"/>
+              </a:lnSpc>
+              <a:buNone/>
+            </a:pPr>
+            <a:endParaRPr lang="en-US" sz="1600" dirty="0"/>
+          </a:p>
+          <a:p>
+            <a:pPr marL="0" indent="0">
+              <a:lnSpc>
+                <a:spcPct val="80000"/>
+              </a:lnSpc>
+              <a:buNone/>
+            </a:pPr>
+            <a:r>
+              <a:rPr lang="en-US" sz="1600" dirty="0"/>
+              <a:t>Conclusion:</a:t>
+            </a:r>
+          </a:p>
+          <a:p>
+            <a:pPr marL="0" indent="0">
+              <a:lnSpc>
+                <a:spcPct val="80000"/>
+              </a:lnSpc>
+              <a:buNone/>
+            </a:pPr>
+            <a:endParaRPr lang="en-US" sz="1600" dirty="0"/>
+          </a:p>
+          <a:p>
+            <a:pPr marL="0" indent="0">
+              <a:lnSpc>
+                <a:spcPct val="80000"/>
+              </a:lnSpc>
+              <a:buNone/>
+            </a:pPr>
+            <a:r>
+              <a:rPr lang="en-US" sz="1600" dirty="0"/>
+              <a:t>Lower levels of humidity do have some</a:t>
+            </a:r>
+          </a:p>
+          <a:p>
+            <a:pPr marL="0" indent="0">
+              <a:lnSpc>
+                <a:spcPct val="80000"/>
+              </a:lnSpc>
+              <a:buNone/>
+            </a:pPr>
+            <a:r>
+              <a:rPr lang="en-US" sz="1600" dirty="0"/>
+              <a:t>effect on fires breaking out.</a:t>
+            </a:r>
+          </a:p>
+          <a:p>
+            <a:pPr marL="0" indent="0">
+              <a:lnSpc>
+                <a:spcPct val="80000"/>
+              </a:lnSpc>
+              <a:buNone/>
+            </a:pPr>
+            <a:endParaRPr lang="en-US" sz="1400" dirty="0"/>
+          </a:p>
+          <a:p>
+            <a:pPr marL="0" indent="0">
+              <a:lnSpc>
+                <a:spcPct val="80000"/>
+              </a:lnSpc>
+              <a:buNone/>
+            </a:pPr>
+            <a:endParaRPr lang="en-US" sz="1400" dirty="0"/>
+          </a:p>
+          <a:p>
+            <a:pPr marL="0" indent="0">
+              <a:lnSpc>
+                <a:spcPct val="80000"/>
+              </a:lnSpc>
+              <a:buNone/>
+            </a:pPr>
+            <a:endParaRPr lang="en-US" sz="1400" dirty="0"/>
+          </a:p>
+          <a:p>
+            <a:pPr marL="0" indent="0">
+              <a:lnSpc>
+                <a:spcPct val="80000"/>
+              </a:lnSpc>
+              <a:buNone/>
+            </a:pPr>
+            <a:endParaRPr lang="en-US" sz="1400" dirty="0"/>
+          </a:p>
+          <a:p>
+            <a:pPr marL="0" indent="0">
+              <a:lnSpc>
+                <a:spcPct val="80000"/>
+              </a:lnSpc>
+              <a:buNone/>
+            </a:pPr>
+            <a:endParaRPr lang="en-US" dirty="0"/>
+          </a:p>
+          <a:p>
+            <a:pPr marL="0" indent="0">
+              <a:lnSpc>
+                <a:spcPct val="80000"/>
+              </a:lnSpc>
+              <a:buNone/>
+            </a:pPr>
+            <a:endParaRPr lang="en-US" dirty="0"/>
+          </a:p>
+        </p:txBody>
+      </p:sp>
+      <p:pic>
+        <p:nvPicPr>
+          <p:cNvPr id="3" name="Picture 2">
+            <a:extLst>
+              <a:ext uri="{FF2B5EF4-FFF2-40B4-BE49-F238E27FC236}">
+                <a16:creationId xmlns:a16="http://schemas.microsoft.com/office/drawing/2014/main" id="{071A3730-C4E1-334A-AD46-576DAFE0F5E8}"/>
+              </a:ext>
+            </a:extLst>
+          </p:cNvPr>
+          <p:cNvPicPr>
+            <a:picLocks noChangeAspect="1"/>
+          </p:cNvPicPr>
+          <p:nvPr/>
+        </p:nvPicPr>
+        <p:blipFill>
+          <a:blip r:embed="rId2">
+            <a:extLst>
+              <a:ext uri="{28A0092B-C50C-407E-A947-70E740481C1C}">
+                <a14:useLocalDpi xmlns:a14="http://schemas.microsoft.com/office/drawing/2010/main" val="0"/>
+              </a:ext>
+            </a:extLst>
+          </a:blip>
+          <a:stretch>
+            <a:fillRect/>
+          </a:stretch>
+        </p:blipFill>
+        <p:spPr>
+          <a:xfrm>
+            <a:off x="6460994" y="4915218"/>
+            <a:ext cx="2468880" cy="1645920"/>
+          </a:xfrm>
+          <a:prstGeom prst="rect">
+            <a:avLst/>
+          </a:prstGeom>
+        </p:spPr>
+      </p:pic>
+      <p:pic>
+        <p:nvPicPr>
+          <p:cNvPr id="5" name="Picture 4">
+            <a:extLst>
+              <a:ext uri="{FF2B5EF4-FFF2-40B4-BE49-F238E27FC236}">
+                <a16:creationId xmlns:a16="http://schemas.microsoft.com/office/drawing/2014/main" id="{B458A291-CF22-5E41-8E71-13A039BA5EFE}"/>
+              </a:ext>
+            </a:extLst>
+          </p:cNvPr>
+          <p:cNvPicPr>
+            <a:picLocks noChangeAspect="1"/>
+          </p:cNvPicPr>
+          <p:nvPr/>
+        </p:nvPicPr>
+        <p:blipFill>
+          <a:blip r:embed="rId3">
+            <a:extLst>
+              <a:ext uri="{28A0092B-C50C-407E-A947-70E740481C1C}">
+                <a14:useLocalDpi xmlns:a14="http://schemas.microsoft.com/office/drawing/2010/main" val="0"/>
+              </a:ext>
+            </a:extLst>
+          </a:blip>
+          <a:stretch>
+            <a:fillRect/>
+          </a:stretch>
+        </p:blipFill>
+        <p:spPr>
+          <a:xfrm>
+            <a:off x="6460994" y="3269298"/>
+            <a:ext cx="2468880" cy="1645920"/>
+          </a:xfrm>
+          <a:prstGeom prst="rect">
+            <a:avLst/>
+          </a:prstGeom>
+        </p:spPr>
+      </p:pic>
+      <p:pic>
+        <p:nvPicPr>
+          <p:cNvPr id="7" name="Picture 6">
+            <a:extLst>
+              <a:ext uri="{FF2B5EF4-FFF2-40B4-BE49-F238E27FC236}">
+                <a16:creationId xmlns:a16="http://schemas.microsoft.com/office/drawing/2014/main" id="{8F6E3E82-6897-8847-9D15-53AABB2A6824}"/>
+              </a:ext>
+            </a:extLst>
+          </p:cNvPr>
+          <p:cNvPicPr>
+            <a:picLocks noChangeAspect="1"/>
+          </p:cNvPicPr>
+          <p:nvPr/>
+        </p:nvPicPr>
+        <p:blipFill>
+          <a:blip r:embed="rId4">
+            <a:extLst>
+              <a:ext uri="{28A0092B-C50C-407E-A947-70E740481C1C}">
+                <a14:useLocalDpi xmlns:a14="http://schemas.microsoft.com/office/drawing/2010/main" val="0"/>
+              </a:ext>
+            </a:extLst>
+          </a:blip>
+          <a:stretch>
+            <a:fillRect/>
+          </a:stretch>
+        </p:blipFill>
+        <p:spPr>
+          <a:xfrm>
+            <a:off x="6460994" y="1623378"/>
+            <a:ext cx="2468880" cy="1645920"/>
+          </a:xfrm>
+          <a:prstGeom prst="rect">
+            <a:avLst/>
+          </a:prstGeom>
+        </p:spPr>
+      </p:pic>
+    </p:spTree>
+    <p:extLst>
+      <p:ext uri="{BB962C8B-B14F-4D97-AF65-F5344CB8AC3E}">
+        <p14:creationId xmlns:p14="http://schemas.microsoft.com/office/powerpoint/2010/main" val="2693467877"/>
+      </p:ext>
+    </p:extLst>
+  </p:cSld>
+  <p:clrMapOvr>
+    <a:masterClrMapping/>
+  </p:clrMapOvr>
+</p:sld>
+</file>
+
+<file path=ppt/slides/slide13.xml><?xml version="1.0" encoding="utf-8"?>
 <p:sld xmlns:a="http://schemas.openxmlformats.org/drawingml/2006/main" xmlns:r="http://schemas.openxmlformats.org/officeDocument/2006/relationships" xmlns:p="http://schemas.openxmlformats.org/presentationml/2006/main">
   <p:cSld>
     <p:spTree>
@@ -6652,7 +8075,7 @@
 </p:sld>
 </file>
 
-<file path=ppt/slides/slide11.xml><?xml version="1.0" encoding="utf-8"?>
+<file path=ppt/slides/slide14.xml><?xml version="1.0" encoding="utf-8"?>
 <p:sld xmlns:a="http://schemas.openxmlformats.org/drawingml/2006/main" xmlns:r="http://schemas.openxmlformats.org/officeDocument/2006/relationships" xmlns:p="http://schemas.openxmlformats.org/presentationml/2006/main">
   <p:cSld>
     <p:spTree>
@@ -7011,7 +8434,7 @@
 </p:sld>
 </file>
 
-<file path=ppt/slides/slide12.xml><?xml version="1.0" encoding="utf-8"?>
+<file path=ppt/slides/slide15.xml><?xml version="1.0" encoding="utf-8"?>
 <p:sld xmlns:a="http://schemas.openxmlformats.org/drawingml/2006/main" xmlns:r="http://schemas.openxmlformats.org/officeDocument/2006/relationships" xmlns:p="http://schemas.openxmlformats.org/presentationml/2006/main">
   <p:cSld>
     <p:spTree>
@@ -7370,7 +8793,7 @@
 </p:sld>
 </file>
 
-<file path=ppt/slides/slide13.xml><?xml version="1.0" encoding="utf-8"?>
+<file path=ppt/slides/slide16.xml><?xml version="1.0" encoding="utf-8"?>
 <p:sld xmlns:a="http://schemas.openxmlformats.org/drawingml/2006/main" xmlns:r="http://schemas.openxmlformats.org/officeDocument/2006/relationships" xmlns:p="http://schemas.openxmlformats.org/presentationml/2006/main">
   <p:cSld>
     <p:spTree>
@@ -7408,8 +8831,115 @@
           <a:lstStyle/>
           <a:p>
             <a:r>
-              <a:rPr lang="en-US" dirty="0"/>
-              <a:t>Visualizing the Data</a:t>
+              <a:rPr lang="en-US" sz="2400" dirty="0"/>
+              <a:t>Plotting the Data:</a:t>
+            </a:r>
+            <a:br>
+              <a:rPr lang="en-US" sz="2400" dirty="0"/>
+            </a:br>
+            <a:r>
+              <a:rPr lang="en-US" sz="2400" dirty="0"/>
+              <a:t>Comparing Temperature by Years</a:t>
+            </a:r>
+          </a:p>
+        </p:txBody>
+      </p:sp>
+      <p:pic>
+        <p:nvPicPr>
+          <p:cNvPr id="3" name="Picture 2">
+            <a:extLst>
+              <a:ext uri="{FF2B5EF4-FFF2-40B4-BE49-F238E27FC236}">
+                <a16:creationId xmlns:a16="http://schemas.microsoft.com/office/drawing/2014/main" id="{0A20A73C-E52D-0243-B13E-12267DFD5514}"/>
+              </a:ext>
+            </a:extLst>
+          </p:cNvPr>
+          <p:cNvPicPr>
+            <a:picLocks noChangeAspect="1"/>
+          </p:cNvPicPr>
+          <p:nvPr/>
+        </p:nvPicPr>
+        <p:blipFill>
+          <a:blip r:embed="rId2">
+            <a:extLst>
+              <a:ext uri="{28A0092B-C50C-407E-A947-70E740481C1C}">
+                <a14:useLocalDpi xmlns:a14="http://schemas.microsoft.com/office/drawing/2010/main" val="0"/>
+              </a:ext>
+            </a:extLst>
+          </a:blip>
+          <a:stretch>
+            <a:fillRect/>
+          </a:stretch>
+        </p:blipFill>
+        <p:spPr>
+          <a:xfrm>
+            <a:off x="2103120" y="1828800"/>
+            <a:ext cx="6400800" cy="4267200"/>
+          </a:xfrm>
+          <a:prstGeom prst="rect">
+            <a:avLst/>
+          </a:prstGeom>
+        </p:spPr>
+      </p:pic>
+    </p:spTree>
+    <p:extLst>
+      <p:ext uri="{BB962C8B-B14F-4D97-AF65-F5344CB8AC3E}">
+        <p14:creationId xmlns:p14="http://schemas.microsoft.com/office/powerpoint/2010/main" val="150877325"/>
+      </p:ext>
+    </p:extLst>
+  </p:cSld>
+  <p:clrMapOvr>
+    <a:masterClrMapping/>
+  </p:clrMapOvr>
+</p:sld>
+</file>
+
+<file path=ppt/slides/slide17.xml><?xml version="1.0" encoding="utf-8"?>
+<p:sld xmlns:a="http://schemas.openxmlformats.org/drawingml/2006/main" xmlns:r="http://schemas.openxmlformats.org/officeDocument/2006/relationships" xmlns:p="http://schemas.openxmlformats.org/presentationml/2006/main">
+  <p:cSld>
+    <p:spTree>
+      <p:nvGrpSpPr>
+        <p:cNvPr id="1" name=""/>
+        <p:cNvGrpSpPr/>
+        <p:nvPr/>
+      </p:nvGrpSpPr>
+      <p:grpSpPr>
+        <a:xfrm>
+          <a:off x="0" y="0"/>
+          <a:ext cx="0" cy="0"/>
+          <a:chOff x="0" y="0"/>
+          <a:chExt cx="0" cy="0"/>
+        </a:xfrm>
+      </p:grpSpPr>
+      <p:sp>
+        <p:nvSpPr>
+          <p:cNvPr id="195586" name="Rectangle 2"/>
+          <p:cNvSpPr>
+            <a:spLocks noGrp="1" noChangeArrowheads="1"/>
+          </p:cNvSpPr>
+          <p:nvPr>
+            <p:ph type="title"/>
+          </p:nvPr>
+        </p:nvSpPr>
+        <p:spPr>
+          <a:xfrm>
+            <a:off x="1908175" y="404813"/>
+            <a:ext cx="6767513" cy="1079500"/>
+          </a:xfrm>
+        </p:spPr>
+        <p:txBody>
+          <a:bodyPr/>
+          <a:lstStyle/>
+          <a:p>
+            <a:r>
+              <a:rPr lang="en-US" sz="2400" dirty="0"/>
+              <a:t>Plotting the Data:</a:t>
+            </a:r>
+            <a:br>
+              <a:rPr lang="en-US" sz="2400" dirty="0"/>
+            </a:br>
+            <a:r>
+              <a:rPr lang="en-US" sz="2400" dirty="0"/>
+              <a:t>Comparing Humidity by Years</a:t>
             </a:r>
           </a:p>
         </p:txBody>
@@ -7440,11 +8970,149 @@
               </a:lnSpc>
               <a:buNone/>
             </a:pPr>
+            <a:endParaRPr lang="en-US" sz="1400" dirty="0"/>
+          </a:p>
+          <a:p>
+            <a:pPr marL="0" indent="0">
+              <a:lnSpc>
+                <a:spcPct val="80000"/>
+              </a:lnSpc>
+              <a:buNone/>
+            </a:pPr>
+            <a:endParaRPr lang="en-US" sz="1400" dirty="0"/>
+          </a:p>
+          <a:p>
+            <a:pPr marL="0" indent="0">
+              <a:lnSpc>
+                <a:spcPct val="80000"/>
+              </a:lnSpc>
+              <a:buNone/>
+            </a:pPr>
+            <a:endParaRPr lang="en-US" dirty="0"/>
+          </a:p>
+          <a:p>
+            <a:pPr marL="0" indent="0">
+              <a:lnSpc>
+                <a:spcPct val="80000"/>
+              </a:lnSpc>
+              <a:buNone/>
+            </a:pPr>
+            <a:endParaRPr lang="en-US" dirty="0"/>
+          </a:p>
+        </p:txBody>
+      </p:sp>
+      <p:pic>
+        <p:nvPicPr>
+          <p:cNvPr id="6" name="Picture 5">
+            <a:extLst>
+              <a:ext uri="{FF2B5EF4-FFF2-40B4-BE49-F238E27FC236}">
+                <a16:creationId xmlns:a16="http://schemas.microsoft.com/office/drawing/2014/main" id="{08842F13-3134-A543-BD94-04AC9D061787}"/>
+              </a:ext>
+            </a:extLst>
+          </p:cNvPr>
+          <p:cNvPicPr>
+            <a:picLocks noChangeAspect="1"/>
+          </p:cNvPicPr>
+          <p:nvPr/>
+        </p:nvPicPr>
+        <p:blipFill>
+          <a:blip r:embed="rId2">
+            <a:extLst>
+              <a:ext uri="{28A0092B-C50C-407E-A947-70E740481C1C}">
+                <a14:useLocalDpi xmlns:a14="http://schemas.microsoft.com/office/drawing/2010/main" val="0"/>
+              </a:ext>
+            </a:extLst>
+          </a:blip>
+          <a:stretch>
+            <a:fillRect/>
+          </a:stretch>
+        </p:blipFill>
+        <p:spPr>
+          <a:xfrm>
+            <a:off x="2103120" y="1828800"/>
+            <a:ext cx="6400800" cy="4267199"/>
+          </a:xfrm>
+          <a:prstGeom prst="rect">
+            <a:avLst/>
+          </a:prstGeom>
+        </p:spPr>
+      </p:pic>
+    </p:spTree>
+    <p:extLst>
+      <p:ext uri="{BB962C8B-B14F-4D97-AF65-F5344CB8AC3E}">
+        <p14:creationId xmlns:p14="http://schemas.microsoft.com/office/powerpoint/2010/main" val="3968058775"/>
+      </p:ext>
+    </p:extLst>
+  </p:cSld>
+  <p:clrMapOvr>
+    <a:masterClrMapping/>
+  </p:clrMapOvr>
+</p:sld>
+</file>
+
+<file path=ppt/slides/slide18.xml><?xml version="1.0" encoding="utf-8"?>
+<p:sld xmlns:a="http://schemas.openxmlformats.org/drawingml/2006/main" xmlns:r="http://schemas.openxmlformats.org/officeDocument/2006/relationships" xmlns:p="http://schemas.openxmlformats.org/presentationml/2006/main">
+  <p:cSld>
+    <p:spTree>
+      <p:nvGrpSpPr>
+        <p:cNvPr id="1" name=""/>
+        <p:cNvGrpSpPr/>
+        <p:nvPr/>
+      </p:nvGrpSpPr>
+      <p:grpSpPr>
+        <a:xfrm>
+          <a:off x="0" y="0"/>
+          <a:ext cx="0" cy="0"/>
+          <a:chOff x="0" y="0"/>
+          <a:chExt cx="0" cy="0"/>
+        </a:xfrm>
+      </p:grpSpPr>
+      <p:sp>
+        <p:nvSpPr>
+          <p:cNvPr id="195586" name="Rectangle 2"/>
+          <p:cNvSpPr>
+            <a:spLocks noGrp="1" noChangeArrowheads="1"/>
+          </p:cNvSpPr>
+          <p:nvPr>
+            <p:ph type="title"/>
+          </p:nvPr>
+        </p:nvSpPr>
+        <p:spPr>
+          <a:xfrm>
+            <a:off x="1908175" y="404813"/>
+            <a:ext cx="6767513" cy="1079500"/>
+          </a:xfrm>
+        </p:spPr>
+        <p:txBody>
+          <a:bodyPr/>
+          <a:lstStyle/>
+          <a:p>
             <a:r>
               <a:rPr lang="en-US" dirty="0"/>
-              <a:t>Google maps with layers showing </a:t>
-            </a:r>
-          </a:p>
+              <a:t>Visualizing the Data – 2013</a:t>
+            </a:r>
+          </a:p>
+        </p:txBody>
+      </p:sp>
+      <p:sp>
+        <p:nvSpPr>
+          <p:cNvPr id="195587" name="Rectangle 3"/>
+          <p:cNvSpPr>
+            <a:spLocks noGrp="1" noChangeArrowheads="1"/>
+          </p:cNvSpPr>
+          <p:nvPr>
+            <p:ph type="body" idx="1"/>
+          </p:nvPr>
+        </p:nvSpPr>
+        <p:spPr>
+          <a:xfrm>
+            <a:off x="1908175" y="1700213"/>
+            <a:ext cx="6778625" cy="4968875"/>
+          </a:xfrm>
+        </p:spPr>
+        <p:txBody>
+          <a:bodyPr/>
+          <a:lstStyle/>
           <a:p>
             <a:pPr marL="0" indent="0">
               <a:lnSpc>
@@ -7461,11 +9129,73 @@
               </a:lnSpc>
               <a:buNone/>
             </a:pPr>
-            <a:r>
-              <a:rPr lang="en-US" dirty="0"/>
-              <a:t>Location of fire vs temp - by year</a:t>
-            </a:r>
-          </a:p>
+            <a:endParaRPr lang="en-US" dirty="0"/>
+          </a:p>
+        </p:txBody>
+      </p:sp>
+      <p:pic>
+        <p:nvPicPr>
+          <p:cNvPr id="11" name="Picture 10">
+            <a:extLst>
+              <a:ext uri="{FF2B5EF4-FFF2-40B4-BE49-F238E27FC236}">
+                <a16:creationId xmlns:a16="http://schemas.microsoft.com/office/drawing/2014/main" id="{FAEAE98D-6917-104D-B2FB-0903ECC38192}"/>
+              </a:ext>
+            </a:extLst>
+          </p:cNvPr>
+          <p:cNvPicPr>
+            <a:picLocks noChangeAspect="1"/>
+          </p:cNvPicPr>
+          <p:nvPr/>
+        </p:nvPicPr>
+        <p:blipFill>
+          <a:blip r:embed="rId2">
+            <a:extLst>
+              <a:ext uri="{28A0092B-C50C-407E-A947-70E740481C1C}">
+                <a14:useLocalDpi xmlns:a14="http://schemas.microsoft.com/office/drawing/2010/main" val="0"/>
+              </a:ext>
+            </a:extLst>
+          </a:blip>
+          <a:stretch>
+            <a:fillRect/>
+          </a:stretch>
+        </p:blipFill>
+        <p:spPr>
+          <a:xfrm>
+            <a:off x="2339752" y="2276872"/>
+            <a:ext cx="5486400" cy="3657600"/>
+          </a:xfrm>
+          <a:prstGeom prst="rect">
+            <a:avLst/>
+          </a:prstGeom>
+        </p:spPr>
+      </p:pic>
+      <p:sp>
+        <p:nvSpPr>
+          <p:cNvPr id="12" name="TextBox 11">
+            <a:extLst>
+              <a:ext uri="{FF2B5EF4-FFF2-40B4-BE49-F238E27FC236}">
+                <a16:creationId xmlns:a16="http://schemas.microsoft.com/office/drawing/2014/main" id="{2638E2A4-4F36-3A4C-87CB-A93E10D75448}"/>
+              </a:ext>
+            </a:extLst>
+          </p:cNvPr>
+          <p:cNvSpPr txBox="1"/>
+          <p:nvPr/>
+        </p:nvSpPr>
+        <p:spPr>
+          <a:xfrm>
+            <a:off x="2339752" y="1484313"/>
+            <a:ext cx="5486400" cy="313932"/>
+          </a:xfrm>
+          <a:prstGeom prst="rect">
+            <a:avLst/>
+          </a:prstGeom>
+          <a:noFill/>
+        </p:spPr>
+        <p:txBody>
+          <a:bodyPr wrap="square" rtlCol="0">
+            <a:spAutoFit/>
+          </a:bodyPr>
+          <a:lstStyle/>
           <a:p>
             <a:pPr marL="0" indent="0">
               <a:lnSpc>
@@ -7474,51 +9204,14 @@
               <a:buNone/>
             </a:pPr>
             <a:r>
-              <a:rPr lang="en-US" dirty="0"/>
-              <a:t>Location of fire vs humidity - by year</a:t>
-            </a:r>
-          </a:p>
-          <a:p>
-            <a:pPr marL="0" indent="0">
-              <a:lnSpc>
-                <a:spcPct val="80000"/>
-              </a:lnSpc>
-              <a:buNone/>
-            </a:pPr>
-            <a:r>
-              <a:rPr lang="en-US" dirty="0"/>
-              <a:t>Location of fire vs precipitation - by year</a:t>
-            </a:r>
-          </a:p>
-          <a:p>
-            <a:pPr marL="0" indent="0">
-              <a:lnSpc>
-                <a:spcPct val="80000"/>
-              </a:lnSpc>
-              <a:buNone/>
-            </a:pPr>
-            <a:r>
-              <a:rPr lang="en-US" dirty="0"/>
-              <a:t>Number of fires - 2015 vs 2018</a:t>
-            </a:r>
-          </a:p>
-          <a:p>
-            <a:pPr marL="0" indent="0">
-              <a:lnSpc>
-                <a:spcPct val="80000"/>
-              </a:lnSpc>
-              <a:buNone/>
-            </a:pPr>
-            <a:endParaRPr lang="en-US"/>
-          </a:p>
-          <a:p>
-            <a:pPr marL="0" indent="0">
-              <a:lnSpc>
-                <a:spcPct val="80000"/>
-              </a:lnSpc>
-              <a:buNone/>
-            </a:pPr>
-            <a:endParaRPr lang="en-US" dirty="0"/>
+              <a:rPr lang="en-US" b="0" dirty="0">
+                <a:solidFill>
+                  <a:schemeClr val="bg2"/>
+                </a:solidFill>
+                <a:latin typeface="+mn-lt"/>
+              </a:rPr>
+              <a:t>Illustrations of fire sizes and locations </a:t>
+            </a:r>
           </a:p>
         </p:txBody>
       </p:sp>
@@ -7526,6 +9219,220 @@
     <p:extLst>
       <p:ext uri="{BB962C8B-B14F-4D97-AF65-F5344CB8AC3E}">
         <p14:creationId xmlns:p14="http://schemas.microsoft.com/office/powerpoint/2010/main" val="897831138"/>
+      </p:ext>
+    </p:extLst>
+  </p:cSld>
+  <p:clrMapOvr>
+    <a:masterClrMapping/>
+  </p:clrMapOvr>
+</p:sld>
+</file>
+
+<file path=ppt/slides/slide19.xml><?xml version="1.0" encoding="utf-8"?>
+<p:sld xmlns:a="http://schemas.openxmlformats.org/drawingml/2006/main" xmlns:r="http://schemas.openxmlformats.org/officeDocument/2006/relationships" xmlns:p="http://schemas.openxmlformats.org/presentationml/2006/main">
+  <p:cSld>
+    <p:spTree>
+      <p:nvGrpSpPr>
+        <p:cNvPr id="1" name=""/>
+        <p:cNvGrpSpPr/>
+        <p:nvPr/>
+      </p:nvGrpSpPr>
+      <p:grpSpPr>
+        <a:xfrm>
+          <a:off x="0" y="0"/>
+          <a:ext cx="0" cy="0"/>
+          <a:chOff x="0" y="0"/>
+          <a:chExt cx="0" cy="0"/>
+        </a:xfrm>
+      </p:grpSpPr>
+      <p:sp>
+        <p:nvSpPr>
+          <p:cNvPr id="195586" name="Rectangle 2"/>
+          <p:cNvSpPr>
+            <a:spLocks noGrp="1" noChangeArrowheads="1"/>
+          </p:cNvSpPr>
+          <p:nvPr>
+            <p:ph type="title"/>
+          </p:nvPr>
+        </p:nvSpPr>
+        <p:spPr>
+          <a:xfrm>
+            <a:off x="1908175" y="404813"/>
+            <a:ext cx="6767513" cy="1079500"/>
+          </a:xfrm>
+        </p:spPr>
+        <p:txBody>
+          <a:bodyPr/>
+          <a:lstStyle/>
+          <a:p>
+            <a:r>
+              <a:rPr lang="en-US" dirty="0"/>
+              <a:t>Visualizing the Data – 2015</a:t>
+            </a:r>
+          </a:p>
+        </p:txBody>
+      </p:sp>
+      <p:sp>
+        <p:nvSpPr>
+          <p:cNvPr id="195587" name="Rectangle 3"/>
+          <p:cNvSpPr>
+            <a:spLocks noGrp="1" noChangeArrowheads="1"/>
+          </p:cNvSpPr>
+          <p:nvPr>
+            <p:ph type="body" idx="1"/>
+          </p:nvPr>
+        </p:nvSpPr>
+        <p:spPr>
+          <a:xfrm>
+            <a:off x="1908175" y="1700213"/>
+            <a:ext cx="6778625" cy="4968875"/>
+          </a:xfrm>
+        </p:spPr>
+        <p:txBody>
+          <a:bodyPr/>
+          <a:lstStyle/>
+          <a:p>
+            <a:pPr marL="0" indent="0">
+              <a:lnSpc>
+                <a:spcPct val="80000"/>
+              </a:lnSpc>
+              <a:buNone/>
+            </a:pPr>
+            <a:endParaRPr lang="en-US" dirty="0"/>
+          </a:p>
+          <a:p>
+            <a:pPr marL="0" indent="0">
+              <a:lnSpc>
+                <a:spcPct val="80000"/>
+              </a:lnSpc>
+              <a:buNone/>
+            </a:pPr>
+            <a:endParaRPr lang="en-US" dirty="0"/>
+          </a:p>
+        </p:txBody>
+      </p:sp>
+      <p:pic>
+        <p:nvPicPr>
+          <p:cNvPr id="11" name="Picture 10">
+            <a:extLst>
+              <a:ext uri="{FF2B5EF4-FFF2-40B4-BE49-F238E27FC236}">
+                <a16:creationId xmlns:a16="http://schemas.microsoft.com/office/drawing/2014/main" id="{FAEAE98D-6917-104D-B2FB-0903ECC38192}"/>
+              </a:ext>
+            </a:extLst>
+          </p:cNvPr>
+          <p:cNvPicPr>
+            <a:picLocks noChangeAspect="1"/>
+          </p:cNvPicPr>
+          <p:nvPr/>
+        </p:nvPicPr>
+        <p:blipFill>
+          <a:blip r:embed="rId2">
+            <a:extLst>
+              <a:ext uri="{28A0092B-C50C-407E-A947-70E740481C1C}">
+                <a14:useLocalDpi xmlns:a14="http://schemas.microsoft.com/office/drawing/2010/main" val="0"/>
+              </a:ext>
+            </a:extLst>
+          </a:blip>
+          <a:stretch>
+            <a:fillRect/>
+          </a:stretch>
+        </p:blipFill>
+        <p:spPr>
+          <a:xfrm>
+            <a:off x="2339752" y="2276872"/>
+            <a:ext cx="5486400" cy="3657600"/>
+          </a:xfrm>
+          <a:prstGeom prst="rect">
+            <a:avLst/>
+          </a:prstGeom>
+        </p:spPr>
+      </p:pic>
+      <p:sp>
+        <p:nvSpPr>
+          <p:cNvPr id="12" name="TextBox 11">
+            <a:extLst>
+              <a:ext uri="{FF2B5EF4-FFF2-40B4-BE49-F238E27FC236}">
+                <a16:creationId xmlns:a16="http://schemas.microsoft.com/office/drawing/2014/main" id="{2638E2A4-4F36-3A4C-87CB-A93E10D75448}"/>
+              </a:ext>
+            </a:extLst>
+          </p:cNvPr>
+          <p:cNvSpPr txBox="1"/>
+          <p:nvPr/>
+        </p:nvSpPr>
+        <p:spPr>
+          <a:xfrm>
+            <a:off x="2339752" y="1484313"/>
+            <a:ext cx="5486400" cy="313932"/>
+          </a:xfrm>
+          <a:prstGeom prst="rect">
+            <a:avLst/>
+          </a:prstGeom>
+          <a:noFill/>
+        </p:spPr>
+        <p:txBody>
+          <a:bodyPr wrap="square" rtlCol="0">
+            <a:spAutoFit/>
+          </a:bodyPr>
+          <a:lstStyle/>
+          <a:p>
+            <a:pPr marL="0" indent="0">
+              <a:lnSpc>
+                <a:spcPct val="80000"/>
+              </a:lnSpc>
+              <a:buNone/>
+            </a:pPr>
+            <a:r>
+              <a:rPr lang="en-US" b="0" dirty="0">
+                <a:solidFill>
+                  <a:schemeClr val="bg2"/>
+                </a:solidFill>
+                <a:latin typeface="+mn-lt"/>
+              </a:rPr>
+              <a:t>Illustrations of fire sizes and locations </a:t>
+            </a:r>
+          </a:p>
+        </p:txBody>
+      </p:sp>
+      <p:pic>
+        <p:nvPicPr>
+          <p:cNvPr id="3" name="Picture 2">
+            <a:extLst>
+              <a:ext uri="{FF2B5EF4-FFF2-40B4-BE49-F238E27FC236}">
+                <a16:creationId xmlns:a16="http://schemas.microsoft.com/office/drawing/2014/main" id="{17792D86-2670-874B-AE95-F03C1B7D3F53}"/>
+              </a:ext>
+            </a:extLst>
+          </p:cNvPr>
+          <p:cNvPicPr>
+            <a:picLocks noChangeAspect="1"/>
+          </p:cNvPicPr>
+          <p:nvPr/>
+        </p:nvPicPr>
+        <p:blipFill>
+          <a:blip r:embed="rId3">
+            <a:extLst>
+              <a:ext uri="{28A0092B-C50C-407E-A947-70E740481C1C}">
+                <a14:useLocalDpi xmlns:a14="http://schemas.microsoft.com/office/drawing/2010/main" val="0"/>
+              </a:ext>
+            </a:extLst>
+          </a:blip>
+          <a:stretch>
+            <a:fillRect/>
+          </a:stretch>
+        </p:blipFill>
+        <p:spPr>
+          <a:xfrm>
+            <a:off x="2334813" y="2276872"/>
+            <a:ext cx="5486400" cy="3657600"/>
+          </a:xfrm>
+          <a:prstGeom prst="rect">
+            <a:avLst/>
+          </a:prstGeom>
+        </p:spPr>
+      </p:pic>
+    </p:spTree>
+    <p:extLst>
+      <p:ext uri="{BB962C8B-B14F-4D97-AF65-F5344CB8AC3E}">
+        <p14:creationId xmlns:p14="http://schemas.microsoft.com/office/powerpoint/2010/main" val="3114723886"/>
       </p:ext>
     </p:extLst>
   </p:cSld>
@@ -7574,9 +9481,8 @@
           <a:p>
             <a:r>
               <a:rPr lang="en-US" dirty="0"/>
-              <a:t>Scope of Project</a:t>
-            </a:r>
-            <a:endParaRPr lang="uk-UA" dirty="0"/>
+              <a:t>Hypothesis &amp; Questions</a:t>
+            </a:r>
           </a:p>
         </p:txBody>
       </p:sp>
@@ -7600,44 +9506,634 @@
           <a:bodyPr/>
           <a:lstStyle/>
           <a:p>
-            <a:r>
-              <a:rPr lang="en-US" altLang="ko-KR" dirty="0">
+            <a:pPr marL="0" indent="0">
+              <a:buNone/>
+            </a:pPr>
+            <a:r>
+              <a:rPr lang="en-US" altLang="ko-KR" sz="1800" dirty="0">
                 <a:ea typeface="굴림" charset="-127"/>
               </a:rPr>
-              <a:t>Using fire data from CAL fire, we will map out where fires occurred in 2015 and 2018. We will also show what the weather was during those periods to draw any correlations between weather and wildfires and the severity of the fires. </a:t>
-            </a:r>
-          </a:p>
-          <a:p>
-            <a:endParaRPr lang="en-US" dirty="0">
-              <a:ea typeface="굴림" charset="-127"/>
-            </a:endParaRPr>
-          </a:p>
+              <a:t>2018 was the worst year of fire damage, with more than 1.8 million acres burned by wildland fires. That's the highest number of acres burned in the recorded history of California. 2018 was also one of the hottest years on record. </a:t>
+            </a:r>
+          </a:p>
+          <a:p>
+            <a:r>
+              <a:rPr lang="en-US" altLang="ko-KR" sz="1800" dirty="0">
+                <a:ea typeface="굴림" charset="-127"/>
+              </a:rPr>
+              <a:t>Is there a relationship to climate, more specifically the daily weather, and the date a wildfire starts?</a:t>
+            </a:r>
+          </a:p>
+          <a:p>
+            <a:r>
+              <a:rPr lang="en-US" altLang="ko-KR" sz="1800" dirty="0">
+                <a:ea typeface="굴림" charset="-127"/>
+              </a:rPr>
+              <a:t>Looking at locations by latitude and longitude and by year, are there patterns that exist between weather and fires?</a:t>
+            </a:r>
+          </a:p>
+          <a:p>
+            <a:r>
+              <a:rPr lang="en-US" altLang="ko-KR" sz="1800" dirty="0">
+                <a:ea typeface="굴림" charset="-127"/>
+              </a:rPr>
+              <a:t>How does temperature, humidity, wind speed, and wind gust factor into the start of a fire? How did the weather influence the severity of the fire (based on the numbers of acres burned)?</a:t>
+            </a:r>
+          </a:p>
+          <a:p>
+            <a:r>
+              <a:rPr lang="en-US" altLang="ko-KR" sz="1800" dirty="0">
+                <a:ea typeface="굴림" charset="-127"/>
+              </a:rPr>
+              <a:t>Are fires more severe in certain locations and at certain times in the year?  </a:t>
+            </a:r>
+          </a:p>
+          <a:p>
+            <a:pPr marL="0" indent="0">
+              <a:buNone/>
+            </a:pPr>
+            <a:r>
+              <a:rPr lang="en-US" altLang="ko-KR" sz="1800" dirty="0">
+                <a:ea typeface="굴림" charset="-127"/>
+              </a:rPr>
+              <a:t>We asked these questions to determine some of the factors that can contribute to a fire breaking out. </a:t>
+            </a:r>
+            <a:endParaRPr lang="uk-UA" sz="1800" dirty="0"/>
+          </a:p>
+        </p:txBody>
+      </p:sp>
+    </p:spTree>
+  </p:cSld>
+  <p:clrMapOvr>
+    <a:masterClrMapping/>
+  </p:clrMapOvr>
+</p:sld>
+</file>
+
+<file path=ppt/slides/slide20.xml><?xml version="1.0" encoding="utf-8"?>
+<p:sld xmlns:a="http://schemas.openxmlformats.org/drawingml/2006/main" xmlns:r="http://schemas.openxmlformats.org/officeDocument/2006/relationships" xmlns:p="http://schemas.openxmlformats.org/presentationml/2006/main">
+  <p:cSld>
+    <p:spTree>
+      <p:nvGrpSpPr>
+        <p:cNvPr id="1" name=""/>
+        <p:cNvGrpSpPr/>
+        <p:nvPr/>
+      </p:nvGrpSpPr>
+      <p:grpSpPr>
+        <a:xfrm>
+          <a:off x="0" y="0"/>
+          <a:ext cx="0" cy="0"/>
+          <a:chOff x="0" y="0"/>
+          <a:chExt cx="0" cy="0"/>
+        </a:xfrm>
+      </p:grpSpPr>
+      <p:sp>
+        <p:nvSpPr>
+          <p:cNvPr id="195586" name="Rectangle 2"/>
+          <p:cNvSpPr>
+            <a:spLocks noGrp="1" noChangeArrowheads="1"/>
+          </p:cNvSpPr>
+          <p:nvPr>
+            <p:ph type="title"/>
+          </p:nvPr>
+        </p:nvSpPr>
+        <p:spPr>
+          <a:xfrm>
+            <a:off x="1908175" y="404813"/>
+            <a:ext cx="6767513" cy="1079500"/>
+          </a:xfrm>
+        </p:spPr>
+        <p:txBody>
+          <a:bodyPr/>
+          <a:lstStyle/>
           <a:p>
             <a:r>
               <a:rPr lang="en-US" dirty="0"/>
-              <a:t>Looking at locations by county or </a:t>
-            </a:r>
-            <a:r>
-              <a:rPr lang="en-US" dirty="0" err="1"/>
-              <a:t>lat</a:t>
-            </a:r>
+              <a:t>Visualizing the Data – 2018</a:t>
+            </a:r>
+          </a:p>
+        </p:txBody>
+      </p:sp>
+      <p:sp>
+        <p:nvSpPr>
+          <p:cNvPr id="195587" name="Rectangle 3"/>
+          <p:cNvSpPr>
+            <a:spLocks noGrp="1" noChangeArrowheads="1"/>
+          </p:cNvSpPr>
+          <p:nvPr>
+            <p:ph type="body" idx="1"/>
+          </p:nvPr>
+        </p:nvSpPr>
+        <p:spPr>
+          <a:xfrm>
+            <a:off x="1908175" y="1700213"/>
+            <a:ext cx="6778625" cy="4968875"/>
+          </a:xfrm>
+        </p:spPr>
+        <p:txBody>
+          <a:bodyPr/>
+          <a:lstStyle/>
+          <a:p>
+            <a:pPr marL="0" indent="0">
+              <a:lnSpc>
+                <a:spcPct val="80000"/>
+              </a:lnSpc>
+              <a:buNone/>
+            </a:pPr>
+            <a:endParaRPr lang="en-US" dirty="0"/>
+          </a:p>
+          <a:p>
+            <a:pPr marL="0" indent="0">
+              <a:lnSpc>
+                <a:spcPct val="80000"/>
+              </a:lnSpc>
+              <a:buNone/>
+            </a:pPr>
+            <a:endParaRPr lang="en-US" dirty="0"/>
+          </a:p>
+        </p:txBody>
+      </p:sp>
+      <p:pic>
+        <p:nvPicPr>
+          <p:cNvPr id="11" name="Picture 10">
+            <a:extLst>
+              <a:ext uri="{FF2B5EF4-FFF2-40B4-BE49-F238E27FC236}">
+                <a16:creationId xmlns:a16="http://schemas.microsoft.com/office/drawing/2014/main" id="{FAEAE98D-6917-104D-B2FB-0903ECC38192}"/>
+              </a:ext>
+            </a:extLst>
+          </p:cNvPr>
+          <p:cNvPicPr>
+            <a:picLocks noChangeAspect="1"/>
+          </p:cNvPicPr>
+          <p:nvPr/>
+        </p:nvPicPr>
+        <p:blipFill>
+          <a:blip r:embed="rId2">
+            <a:extLst>
+              <a:ext uri="{28A0092B-C50C-407E-A947-70E740481C1C}">
+                <a14:useLocalDpi xmlns:a14="http://schemas.microsoft.com/office/drawing/2010/main" val="0"/>
+              </a:ext>
+            </a:extLst>
+          </a:blip>
+          <a:stretch>
+            <a:fillRect/>
+          </a:stretch>
+        </p:blipFill>
+        <p:spPr>
+          <a:xfrm>
+            <a:off x="2339752" y="2276872"/>
+            <a:ext cx="5486400" cy="3657600"/>
+          </a:xfrm>
+          <a:prstGeom prst="rect">
+            <a:avLst/>
+          </a:prstGeom>
+        </p:spPr>
+      </p:pic>
+      <p:sp>
+        <p:nvSpPr>
+          <p:cNvPr id="12" name="TextBox 11">
+            <a:extLst>
+              <a:ext uri="{FF2B5EF4-FFF2-40B4-BE49-F238E27FC236}">
+                <a16:creationId xmlns:a16="http://schemas.microsoft.com/office/drawing/2014/main" id="{2638E2A4-4F36-3A4C-87CB-A93E10D75448}"/>
+              </a:ext>
+            </a:extLst>
+          </p:cNvPr>
+          <p:cNvSpPr txBox="1"/>
+          <p:nvPr/>
+        </p:nvSpPr>
+        <p:spPr>
+          <a:xfrm>
+            <a:off x="2339752" y="1484313"/>
+            <a:ext cx="5486400" cy="313932"/>
+          </a:xfrm>
+          <a:prstGeom prst="rect">
+            <a:avLst/>
+          </a:prstGeom>
+          <a:noFill/>
+        </p:spPr>
+        <p:txBody>
+          <a:bodyPr wrap="square" rtlCol="0">
+            <a:spAutoFit/>
+          </a:bodyPr>
+          <a:lstStyle/>
+          <a:p>
+            <a:pPr marL="0" indent="0">
+              <a:lnSpc>
+                <a:spcPct val="80000"/>
+              </a:lnSpc>
+              <a:buNone/>
+            </a:pPr>
+            <a:r>
+              <a:rPr lang="en-US" b="0" dirty="0">
+                <a:solidFill>
+                  <a:schemeClr val="bg2"/>
+                </a:solidFill>
+                <a:latin typeface="+mn-lt"/>
+              </a:rPr>
+              <a:t>Illustrations of fire sizes and locations </a:t>
+            </a:r>
+          </a:p>
+        </p:txBody>
+      </p:sp>
+      <p:pic>
+        <p:nvPicPr>
+          <p:cNvPr id="3" name="Picture 2">
+            <a:extLst>
+              <a:ext uri="{FF2B5EF4-FFF2-40B4-BE49-F238E27FC236}">
+                <a16:creationId xmlns:a16="http://schemas.microsoft.com/office/drawing/2014/main" id="{6AA348B9-6B27-F647-87D8-2E3436D8E18B}"/>
+              </a:ext>
+            </a:extLst>
+          </p:cNvPr>
+          <p:cNvPicPr>
+            <a:picLocks noChangeAspect="1"/>
+          </p:cNvPicPr>
+          <p:nvPr/>
+        </p:nvPicPr>
+        <p:blipFill>
+          <a:blip r:embed="rId3">
+            <a:extLst>
+              <a:ext uri="{28A0092B-C50C-407E-A947-70E740481C1C}">
+                <a14:useLocalDpi xmlns:a14="http://schemas.microsoft.com/office/drawing/2010/main" val="0"/>
+              </a:ext>
+            </a:extLst>
+          </a:blip>
+          <a:stretch>
+            <a:fillRect/>
+          </a:stretch>
+        </p:blipFill>
+        <p:spPr>
+          <a:xfrm>
+            <a:off x="2333830" y="2276872"/>
+            <a:ext cx="5486400" cy="3657600"/>
+          </a:xfrm>
+          <a:prstGeom prst="rect">
+            <a:avLst/>
+          </a:prstGeom>
+        </p:spPr>
+      </p:pic>
+    </p:spTree>
+    <p:extLst>
+      <p:ext uri="{BB962C8B-B14F-4D97-AF65-F5344CB8AC3E}">
+        <p14:creationId xmlns:p14="http://schemas.microsoft.com/office/powerpoint/2010/main" val="2612146982"/>
+      </p:ext>
+    </p:extLst>
+  </p:cSld>
+  <p:clrMapOvr>
+    <a:masterClrMapping/>
+  </p:clrMapOvr>
+</p:sld>
+</file>
+
+<file path=ppt/slides/slide21.xml><?xml version="1.0" encoding="utf-8"?>
+<p:sld xmlns:a="http://schemas.openxmlformats.org/drawingml/2006/main" xmlns:r="http://schemas.openxmlformats.org/officeDocument/2006/relationships" xmlns:p="http://schemas.openxmlformats.org/presentationml/2006/main">
+  <p:cSld>
+    <p:spTree>
+      <p:nvGrpSpPr>
+        <p:cNvPr id="1" name=""/>
+        <p:cNvGrpSpPr/>
+        <p:nvPr/>
+      </p:nvGrpSpPr>
+      <p:grpSpPr>
+        <a:xfrm>
+          <a:off x="0" y="0"/>
+          <a:ext cx="0" cy="0"/>
+          <a:chOff x="0" y="0"/>
+          <a:chExt cx="0" cy="0"/>
+        </a:xfrm>
+      </p:grpSpPr>
+      <p:sp>
+        <p:nvSpPr>
+          <p:cNvPr id="195586" name="Rectangle 2"/>
+          <p:cNvSpPr>
+            <a:spLocks noGrp="1" noChangeArrowheads="1"/>
+          </p:cNvSpPr>
+          <p:nvPr>
+            <p:ph type="title"/>
+          </p:nvPr>
+        </p:nvSpPr>
+        <p:spPr>
+          <a:xfrm>
+            <a:off x="1908175" y="404813"/>
+            <a:ext cx="6767513" cy="1079500"/>
+          </a:xfrm>
+        </p:spPr>
+        <p:txBody>
+          <a:bodyPr/>
+          <a:lstStyle/>
+          <a:p>
             <a:r>
               <a:rPr lang="en-US" dirty="0"/>
-              <a:t>/</a:t>
-            </a:r>
-            <a:r>
-              <a:rPr lang="en-US" dirty="0" err="1"/>
-              <a:t>lon</a:t>
-            </a:r>
+              <a:t>Visualizing the Data</a:t>
+            </a:r>
+          </a:p>
+        </p:txBody>
+      </p:sp>
+      <p:sp>
+        <p:nvSpPr>
+          <p:cNvPr id="195587" name="Rectangle 3"/>
+          <p:cNvSpPr>
+            <a:spLocks noGrp="1" noChangeArrowheads="1"/>
+          </p:cNvSpPr>
+          <p:nvPr>
+            <p:ph type="body" idx="1"/>
+          </p:nvPr>
+        </p:nvSpPr>
+        <p:spPr>
+          <a:xfrm>
+            <a:off x="1908175" y="1700213"/>
+            <a:ext cx="6778625" cy="4968875"/>
+          </a:xfrm>
+        </p:spPr>
+        <p:txBody>
+          <a:bodyPr/>
+          <a:lstStyle/>
+          <a:p>
+            <a:pPr marL="0" indent="0">
+              <a:lnSpc>
+                <a:spcPct val="80000"/>
+              </a:lnSpc>
+              <a:buNone/>
+            </a:pPr>
+            <a:endParaRPr lang="en-US" dirty="0"/>
+          </a:p>
+          <a:p>
+            <a:pPr marL="0" indent="0">
+              <a:lnSpc>
+                <a:spcPct val="80000"/>
+              </a:lnSpc>
+              <a:buNone/>
+            </a:pPr>
+            <a:endParaRPr lang="en-US" dirty="0"/>
+          </a:p>
+        </p:txBody>
+      </p:sp>
+      <p:pic>
+        <p:nvPicPr>
+          <p:cNvPr id="7" name="Picture 6">
+            <a:extLst>
+              <a:ext uri="{FF2B5EF4-FFF2-40B4-BE49-F238E27FC236}">
+                <a16:creationId xmlns:a16="http://schemas.microsoft.com/office/drawing/2014/main" id="{E7D86F84-E1CE-2043-B951-A9A02A0FEB06}"/>
+              </a:ext>
+            </a:extLst>
+          </p:cNvPr>
+          <p:cNvPicPr>
+            <a:picLocks noChangeAspect="1"/>
+          </p:cNvPicPr>
+          <p:nvPr/>
+        </p:nvPicPr>
+        <p:blipFill>
+          <a:blip r:embed="rId2">
+            <a:extLst>
+              <a:ext uri="{28A0092B-C50C-407E-A947-70E740481C1C}">
+                <a14:useLocalDpi xmlns:a14="http://schemas.microsoft.com/office/drawing/2010/main" val="0"/>
+              </a:ext>
+            </a:extLst>
+          </a:blip>
+          <a:stretch>
+            <a:fillRect/>
+          </a:stretch>
+        </p:blipFill>
+        <p:spPr>
+          <a:xfrm>
+            <a:off x="2123728" y="1700213"/>
+            <a:ext cx="6156684" cy="4104456"/>
+          </a:xfrm>
+          <a:prstGeom prst="rect">
+            <a:avLst/>
+          </a:prstGeom>
+        </p:spPr>
+      </p:pic>
+    </p:spTree>
+    <p:extLst>
+      <p:ext uri="{BB962C8B-B14F-4D97-AF65-F5344CB8AC3E}">
+        <p14:creationId xmlns:p14="http://schemas.microsoft.com/office/powerpoint/2010/main" val="2279062523"/>
+      </p:ext>
+    </p:extLst>
+  </p:cSld>
+  <p:clrMapOvr>
+    <a:masterClrMapping/>
+  </p:clrMapOvr>
+</p:sld>
+</file>
+
+<file path=ppt/slides/slide22.xml><?xml version="1.0" encoding="utf-8"?>
+<p:sld xmlns:a="http://schemas.openxmlformats.org/drawingml/2006/main" xmlns:r="http://schemas.openxmlformats.org/officeDocument/2006/relationships" xmlns:p="http://schemas.openxmlformats.org/presentationml/2006/main">
+  <p:cSld>
+    <p:spTree>
+      <p:nvGrpSpPr>
+        <p:cNvPr id="1" name=""/>
+        <p:cNvGrpSpPr/>
+        <p:nvPr/>
+      </p:nvGrpSpPr>
+      <p:grpSpPr>
+        <a:xfrm>
+          <a:off x="0" y="0"/>
+          <a:ext cx="0" cy="0"/>
+          <a:chOff x="0" y="0"/>
+          <a:chExt cx="0" cy="0"/>
+        </a:xfrm>
+      </p:grpSpPr>
+      <p:sp>
+        <p:nvSpPr>
+          <p:cNvPr id="36866" name="Rectangle 2"/>
+          <p:cNvSpPr>
+            <a:spLocks noGrp="1" noChangeArrowheads="1"/>
+          </p:cNvSpPr>
+          <p:nvPr>
+            <p:ph type="title"/>
+          </p:nvPr>
+        </p:nvSpPr>
+        <p:spPr>
+          <a:xfrm>
+            <a:off x="466725" y="1268413"/>
+            <a:ext cx="8188325" cy="1223962"/>
+          </a:xfrm>
+        </p:spPr>
+        <p:txBody>
+          <a:bodyPr/>
+          <a:lstStyle/>
+          <a:p>
             <a:r>
               <a:rPr lang="en-US" dirty="0"/>
-              <a:t> by year, how did the weather influence the severity of the fire (size of fire)?  Are fires more severe in certain locations and at certain times in the year?  How do incidences of rain, heat, other weather events impact wildfires? </a:t>
+              <a:t>Discussion &amp; Post Mortem</a:t>
             </a:r>
             <a:endParaRPr lang="uk-UA" dirty="0"/>
           </a:p>
         </p:txBody>
       </p:sp>
+      <p:sp>
+        <p:nvSpPr>
+          <p:cNvPr id="36867" name="Rectangle 3"/>
+          <p:cNvSpPr>
+            <a:spLocks noGrp="1" noChangeArrowheads="1"/>
+          </p:cNvSpPr>
+          <p:nvPr>
+            <p:ph type="body" idx="1"/>
+          </p:nvPr>
+        </p:nvSpPr>
+        <p:spPr>
+          <a:xfrm>
+            <a:off x="468313" y="2492375"/>
+            <a:ext cx="8207375" cy="4033838"/>
+          </a:xfrm>
+        </p:spPr>
+        <p:txBody>
+          <a:bodyPr/>
+          <a:lstStyle/>
+          <a:p>
+            <a:pPr marL="0" indent="0">
+              <a:lnSpc>
+                <a:spcPct val="150000"/>
+              </a:lnSpc>
+              <a:buNone/>
+            </a:pPr>
+            <a:r>
+              <a:rPr lang="en-US" sz="1800" dirty="0"/>
+              <a:t>Our findings confirmed some of our assumptions, but not all of them. We found a relationship between temperature and humidity to the likelihood of a fire starting. We also found a correlation between temperature and the size of the fire. We did not determine a pattern influenced by location, wind speed, or wind gust. </a:t>
+            </a:r>
+          </a:p>
+          <a:p>
+            <a:pPr marL="0" indent="0">
+              <a:lnSpc>
+                <a:spcPct val="150000"/>
+              </a:lnSpc>
+              <a:buNone/>
+            </a:pPr>
+            <a:r>
+              <a:rPr lang="en-US" sz="1800" dirty="0"/>
+              <a:t>Given more time to gather additional data and conduct further analysis, we would look at weather throughout the entire duration of each fire incident. We believe there would be benefits at looking at the weather variables during a fire to see how those variables impacted fires, and, in turn, if fires change the weather. </a:t>
+            </a:r>
+          </a:p>
+        </p:txBody>
+      </p:sp>
     </p:spTree>
+    <p:extLst>
+      <p:ext uri="{BB962C8B-B14F-4D97-AF65-F5344CB8AC3E}">
+        <p14:creationId xmlns:p14="http://schemas.microsoft.com/office/powerpoint/2010/main" val="2405722548"/>
+      </p:ext>
+    </p:extLst>
+  </p:cSld>
+  <p:clrMapOvr>
+    <a:masterClrMapping/>
+  </p:clrMapOvr>
+</p:sld>
+</file>
+
+<file path=ppt/slides/slide23.xml><?xml version="1.0" encoding="utf-8"?>
+<p:sld xmlns:a="http://schemas.openxmlformats.org/drawingml/2006/main" xmlns:r="http://schemas.openxmlformats.org/officeDocument/2006/relationships" xmlns:p="http://schemas.openxmlformats.org/presentationml/2006/main">
+  <p:cSld>
+    <p:spTree>
+      <p:nvGrpSpPr>
+        <p:cNvPr id="1" name=""/>
+        <p:cNvGrpSpPr/>
+        <p:nvPr/>
+      </p:nvGrpSpPr>
+      <p:grpSpPr>
+        <a:xfrm>
+          <a:off x="0" y="0"/>
+          <a:ext cx="0" cy="0"/>
+          <a:chOff x="0" y="0"/>
+          <a:chExt cx="0" cy="0"/>
+        </a:xfrm>
+      </p:grpSpPr>
+      <p:sp>
+        <p:nvSpPr>
+          <p:cNvPr id="36866" name="Rectangle 2"/>
+          <p:cNvSpPr>
+            <a:spLocks noGrp="1" noChangeArrowheads="1"/>
+          </p:cNvSpPr>
+          <p:nvPr>
+            <p:ph type="title"/>
+          </p:nvPr>
+        </p:nvSpPr>
+        <p:spPr>
+          <a:xfrm>
+            <a:off x="466725" y="1268413"/>
+            <a:ext cx="8188325" cy="1223962"/>
+          </a:xfrm>
+        </p:spPr>
+        <p:txBody>
+          <a:bodyPr/>
+          <a:lstStyle/>
+          <a:p>
+            <a:r>
+              <a:rPr lang="en-US" dirty="0"/>
+              <a:t>Questions?</a:t>
+            </a:r>
+            <a:endParaRPr lang="uk-UA" dirty="0"/>
+          </a:p>
+        </p:txBody>
+      </p:sp>
+      <p:sp>
+        <p:nvSpPr>
+          <p:cNvPr id="36867" name="Rectangle 3"/>
+          <p:cNvSpPr>
+            <a:spLocks noGrp="1" noChangeArrowheads="1"/>
+          </p:cNvSpPr>
+          <p:nvPr>
+            <p:ph type="body" idx="1"/>
+          </p:nvPr>
+        </p:nvSpPr>
+        <p:spPr>
+          <a:xfrm>
+            <a:off x="468313" y="2492375"/>
+            <a:ext cx="8207375" cy="4033838"/>
+          </a:xfrm>
+        </p:spPr>
+        <p:txBody>
+          <a:bodyPr/>
+          <a:lstStyle/>
+          <a:p>
+            <a:pPr marL="0" indent="0" algn="ctr">
+              <a:lnSpc>
+                <a:spcPct val="150000"/>
+              </a:lnSpc>
+              <a:buNone/>
+            </a:pPr>
+            <a:endParaRPr lang="en-US" sz="3600" dirty="0"/>
+          </a:p>
+          <a:p>
+            <a:pPr marL="0" indent="0" algn="ctr">
+              <a:lnSpc>
+                <a:spcPct val="150000"/>
+              </a:lnSpc>
+              <a:buNone/>
+            </a:pPr>
+            <a:r>
+              <a:rPr lang="en-US" sz="3600" dirty="0"/>
+              <a:t>Questions, comments, or concerns?  </a:t>
+            </a:r>
+          </a:p>
+          <a:p>
+            <a:pPr marL="0" indent="0" algn="ctr">
+              <a:lnSpc>
+                <a:spcPct val="150000"/>
+              </a:lnSpc>
+              <a:buNone/>
+            </a:pPr>
+            <a:endParaRPr lang="en-US" sz="3600" dirty="0"/>
+          </a:p>
+          <a:p>
+            <a:pPr marL="0" indent="0" algn="ctr">
+              <a:lnSpc>
+                <a:spcPct val="150000"/>
+              </a:lnSpc>
+              <a:buNone/>
+            </a:pPr>
+            <a:r>
+              <a:rPr lang="en-US" sz="3600" dirty="0"/>
+              <a:t>Thank you!  </a:t>
+            </a:r>
+            <a:endParaRPr lang="uk-UA" sz="3600" dirty="0"/>
+          </a:p>
+        </p:txBody>
+      </p:sp>
+    </p:spTree>
+    <p:extLst>
+      <p:ext uri="{BB962C8B-B14F-4D97-AF65-F5344CB8AC3E}">
+        <p14:creationId xmlns:p14="http://schemas.microsoft.com/office/powerpoint/2010/main" val="23488013"/>
+      </p:ext>
+    </p:extLst>
   </p:cSld>
   <p:clrMapOvr>
     <a:masterClrMapping/>
@@ -7711,7 +10207,7 @@
           <a:p>
             <a:pPr marL="0" indent="0">
               <a:lnSpc>
-                <a:spcPct val="80000"/>
+                <a:spcPct val="150000"/>
               </a:lnSpc>
               <a:buNone/>
             </a:pPr>
@@ -7719,122 +10215,235 @@
               <a:rPr lang="en-US" altLang="ko-KR" dirty="0">
                 <a:ea typeface="굴림" charset="-127"/>
               </a:rPr>
-              <a:t>CAL Fire </a:t>
-            </a:r>
-          </a:p>
-          <a:p>
-            <a:pPr>
-              <a:lnSpc>
-                <a:spcPct val="80000"/>
-              </a:lnSpc>
-            </a:pPr>
-            <a:endParaRPr lang="en-US" altLang="ko-KR" dirty="0">
-              <a:ea typeface="굴림" charset="-127"/>
-            </a:endParaRPr>
-          </a:p>
-          <a:p>
-            <a:pPr>
-              <a:lnSpc>
-                <a:spcPct val="80000"/>
-              </a:lnSpc>
-            </a:pPr>
+              <a:t>For a list of recorded fires from 2013, 2015, and 2018, we used the incidents archive from CAL Fire (</a:t>
+            </a:r>
             <a:r>
               <a:rPr lang="en-US" dirty="0">
                 <a:hlinkClick r:id="rId2"/>
               </a:rPr>
-              <a:t>https://www.fire.ca.gov/incidents/2015/</a:t>
-            </a:r>
-            <a:endParaRPr lang="en-US" dirty="0"/>
-          </a:p>
-          <a:p>
-            <a:pPr>
-              <a:lnSpc>
-                <a:spcPct val="80000"/>
-              </a:lnSpc>
-            </a:pPr>
+              <a:t>https://www.fire.ca.gov/</a:t>
+            </a:r>
+            <a:r>
+              <a:rPr lang="en-US" dirty="0"/>
+              <a:t>)</a:t>
+            </a:r>
+            <a:r>
+              <a:rPr lang="en-US" altLang="ko-KR" dirty="0">
+                <a:ea typeface="굴림" charset="-127"/>
+              </a:rPr>
+              <a:t>.  For historical weather by location (pulled from the locations of the fires listed on CAL Fire), we used the World Weather Online API </a:t>
+            </a:r>
+            <a:r>
+              <a:rPr lang="en-US" dirty="0"/>
+              <a:t>(</a:t>
+            </a:r>
             <a:r>
               <a:rPr lang="en-US" dirty="0">
                 <a:hlinkClick r:id="rId3"/>
               </a:rPr>
-              <a:t>https://www.fire.ca.gov/incidents/2018/</a:t>
-            </a:r>
-            <a:endParaRPr lang="en-US" dirty="0"/>
-          </a:p>
-          <a:p>
-            <a:pPr>
-              <a:lnSpc>
-                <a:spcPct val="80000"/>
-              </a:lnSpc>
-            </a:pPr>
-            <a:endParaRPr lang="en-US" altLang="ko-KR" dirty="0">
-              <a:ea typeface="굴림" charset="-127"/>
-            </a:endParaRPr>
-          </a:p>
+              <a:t>https://www.worldweatheronline.com/</a:t>
+            </a:r>
+            <a:r>
+              <a:rPr lang="en-US" dirty="0"/>
+              <a:t>).  </a:t>
+            </a:r>
+          </a:p>
+        </p:txBody>
+      </p:sp>
+    </p:spTree>
+    <p:extLst>
+      <p:ext uri="{BB962C8B-B14F-4D97-AF65-F5344CB8AC3E}">
+        <p14:creationId xmlns:p14="http://schemas.microsoft.com/office/powerpoint/2010/main" val="1155586120"/>
+      </p:ext>
+    </p:extLst>
+  </p:cSld>
+  <p:clrMapOvr>
+    <a:masterClrMapping/>
+  </p:clrMapOvr>
+</p:sld>
+</file>
+
+<file path=ppt/slides/slide4.xml><?xml version="1.0" encoding="utf-8"?>
+<p:sld xmlns:a="http://schemas.openxmlformats.org/drawingml/2006/main" xmlns:r="http://schemas.openxmlformats.org/officeDocument/2006/relationships" xmlns:p="http://schemas.openxmlformats.org/presentationml/2006/main">
+  <p:cSld>
+    <p:spTree>
+      <p:nvGrpSpPr>
+        <p:cNvPr id="1" name=""/>
+        <p:cNvGrpSpPr/>
+        <p:nvPr/>
+      </p:nvGrpSpPr>
+      <p:grpSpPr>
+        <a:xfrm>
+          <a:off x="0" y="0"/>
+          <a:ext cx="0" cy="0"/>
+          <a:chOff x="0" y="0"/>
+          <a:chExt cx="0" cy="0"/>
+        </a:xfrm>
+      </p:grpSpPr>
+      <p:sp>
+        <p:nvSpPr>
+          <p:cNvPr id="36866" name="Rectangle 2"/>
+          <p:cNvSpPr>
+            <a:spLocks noGrp="1" noChangeArrowheads="1"/>
+          </p:cNvSpPr>
+          <p:nvPr>
+            <p:ph type="title"/>
+          </p:nvPr>
+        </p:nvSpPr>
+        <p:spPr>
+          <a:xfrm>
+            <a:off x="466725" y="1268413"/>
+            <a:ext cx="8188325" cy="1223962"/>
+          </a:xfrm>
+        </p:spPr>
+        <p:txBody>
+          <a:bodyPr/>
+          <a:lstStyle/>
+          <a:p>
+            <a:r>
+              <a:rPr lang="en-US" dirty="0"/>
+              <a:t>Data Exploration &amp; Cleanup </a:t>
+            </a:r>
+            <a:endParaRPr lang="uk-UA" dirty="0"/>
+          </a:p>
+        </p:txBody>
+      </p:sp>
+      <p:sp>
+        <p:nvSpPr>
+          <p:cNvPr id="36867" name="Rectangle 3"/>
+          <p:cNvSpPr>
+            <a:spLocks noGrp="1" noChangeArrowheads="1"/>
+          </p:cNvSpPr>
+          <p:nvPr>
+            <p:ph type="body" idx="1"/>
+          </p:nvPr>
+        </p:nvSpPr>
+        <p:spPr>
+          <a:xfrm>
+            <a:off x="468313" y="2492375"/>
+            <a:ext cx="8207375" cy="4033838"/>
+          </a:xfrm>
+        </p:spPr>
+        <p:txBody>
+          <a:bodyPr/>
+          <a:lstStyle/>
           <a:p>
             <a:pPr marL="0" indent="0">
               <a:lnSpc>
-                <a:spcPct val="80000"/>
+                <a:spcPct val="150000"/>
               </a:lnSpc>
               <a:buNone/>
             </a:pPr>
             <a:r>
               <a:rPr lang="en-US" dirty="0"/>
-              <a:t>Historical Weather</a:t>
-            </a:r>
-          </a:p>
+              <a:t>The exploration process was the biggest part of the work we did. Getting the data from CAL Fire took a few tries as we needed to get the data from the website and format it in a way we could use it with the weather data.  Getting the historical data was an elaborate process as we were unable to get data from the first source we identified (NOAA) and had to switch to a new source (the World Weather Online API). Then we had to match up the datasets so we could perform our analyses.  </a:t>
+            </a:r>
+            <a:endParaRPr lang="uk-UA" dirty="0"/>
+          </a:p>
+        </p:txBody>
+      </p:sp>
+    </p:spTree>
+    <p:extLst>
+      <p:ext uri="{BB962C8B-B14F-4D97-AF65-F5344CB8AC3E}">
+        <p14:creationId xmlns:p14="http://schemas.microsoft.com/office/powerpoint/2010/main" val="133524679"/>
+      </p:ext>
+    </p:extLst>
+  </p:cSld>
+  <p:clrMapOvr>
+    <a:masterClrMapping/>
+  </p:clrMapOvr>
+</p:sld>
+</file>
+
+<file path=ppt/slides/slide5.xml><?xml version="1.0" encoding="utf-8"?>
+<p:sld xmlns:a="http://schemas.openxmlformats.org/drawingml/2006/main" xmlns:r="http://schemas.openxmlformats.org/officeDocument/2006/relationships" xmlns:p="http://schemas.openxmlformats.org/presentationml/2006/main">
+  <p:cSld>
+    <p:spTree>
+      <p:nvGrpSpPr>
+        <p:cNvPr id="1" name=""/>
+        <p:cNvGrpSpPr/>
+        <p:nvPr/>
+      </p:nvGrpSpPr>
+      <p:grpSpPr>
+        <a:xfrm>
+          <a:off x="0" y="0"/>
+          <a:ext cx="0" cy="0"/>
+          <a:chOff x="0" y="0"/>
+          <a:chExt cx="0" cy="0"/>
+        </a:xfrm>
+      </p:grpSpPr>
+      <p:sp>
+        <p:nvSpPr>
+          <p:cNvPr id="195586" name="Rectangle 2"/>
+          <p:cNvSpPr>
+            <a:spLocks noGrp="1" noChangeArrowheads="1"/>
+          </p:cNvSpPr>
+          <p:nvPr>
+            <p:ph type="title"/>
+          </p:nvPr>
+        </p:nvSpPr>
+        <p:spPr>
+          <a:xfrm>
+            <a:off x="1908175" y="404813"/>
+            <a:ext cx="6767513" cy="1079500"/>
+          </a:xfrm>
+        </p:spPr>
+        <p:txBody>
+          <a:bodyPr/>
+          <a:lstStyle/>
+          <a:p>
+            <a:r>
+              <a:rPr lang="en-US" dirty="0"/>
+              <a:t>Summary of Findings </a:t>
+            </a:r>
+          </a:p>
+        </p:txBody>
+      </p:sp>
+      <p:sp>
+        <p:nvSpPr>
+          <p:cNvPr id="195587" name="Rectangle 3"/>
+          <p:cNvSpPr>
+            <a:spLocks noGrp="1" noChangeArrowheads="1"/>
+          </p:cNvSpPr>
+          <p:nvPr>
+            <p:ph type="body" idx="1"/>
+          </p:nvPr>
+        </p:nvSpPr>
+        <p:spPr>
+          <a:xfrm>
+            <a:off x="1908175" y="1700213"/>
+            <a:ext cx="6778625" cy="4968875"/>
+          </a:xfrm>
+        </p:spPr>
+        <p:txBody>
+          <a:bodyPr/>
+          <a:lstStyle/>
           <a:p>
             <a:pPr marL="0" indent="0">
               <a:lnSpc>
-                <a:spcPct val="80000"/>
-              </a:lnSpc>
-              <a:buNone/>
-            </a:pPr>
-            <a:endParaRPr lang="en-US" dirty="0"/>
+                <a:spcPct val="150000"/>
+              </a:lnSpc>
+              <a:buNone/>
+            </a:pPr>
+            <a:r>
+              <a:rPr lang="en-US" altLang="ko-KR" dirty="0">
+                <a:ea typeface="굴림" charset="-127"/>
+              </a:rPr>
+              <a:t>Our findings confirmed some of our assumptions, but not all of them. We found a relationship of temperature and humidity to the likelihood of a fire starting. We also found a correlation between temperature and the size of the fire. We did not determine a pattern influenced by location, wind speed, or wind gust. </a:t>
+            </a:r>
           </a:p>
           <a:p>
             <a:pPr marL="0" indent="0">
               <a:lnSpc>
-                <a:spcPct val="80000"/>
-              </a:lnSpc>
-              <a:buNone/>
-            </a:pPr>
-            <a:r>
-              <a:rPr lang="en-US" dirty="0"/>
-              <a:t>National Centers for Environmental Information – </a:t>
-            </a:r>
-          </a:p>
-          <a:p>
-            <a:pPr marL="0" indent="0">
-              <a:lnSpc>
-                <a:spcPct val="80000"/>
-              </a:lnSpc>
-              <a:buNone/>
-            </a:pPr>
-            <a:r>
-              <a:rPr lang="en-US" dirty="0"/>
-              <a:t>National Oceanic and Atmospheric Administration API</a:t>
-            </a:r>
-          </a:p>
-          <a:p>
-            <a:pPr marL="0" indent="0">
-              <a:lnSpc>
-                <a:spcPct val="80000"/>
-              </a:lnSpc>
-              <a:buNone/>
-            </a:pPr>
-            <a:endParaRPr lang="en-US" dirty="0"/>
-          </a:p>
-          <a:p>
-            <a:pPr>
-              <a:lnSpc>
-                <a:spcPct val="80000"/>
-              </a:lnSpc>
-            </a:pPr>
-            <a:r>
-              <a:rPr lang="en-US" dirty="0">
-                <a:hlinkClick r:id="rId4"/>
+                <a:spcPct val="150000"/>
+              </a:lnSpc>
+              <a:buNone/>
+            </a:pPr>
+            <a:r>
+              <a:rPr lang="en-US" altLang="ko-KR" dirty="0">
+                <a:ea typeface="굴림" charset="-127"/>
               </a:rPr>
-              <a:t>https://www.ncdc.noaa.gov/cdo-web/webservices/</a:t>
+              <a:t>However, because we compared the weather data on the date the fire started, we lost a lot of valuable data in regards to how the weather changed throughout the duration of the fire and what effect that had on the fire. </a:t>
             </a:r>
             <a:endParaRPr lang="en-US" dirty="0"/>
           </a:p>
@@ -7848,7 +10457,99 @@
 </p:sld>
 </file>
 
-<file path=ppt/slides/slide4.xml><?xml version="1.0" encoding="utf-8"?>
+<file path=ppt/slides/slide6.xml><?xml version="1.0" encoding="utf-8"?>
+<p:sld xmlns:a="http://schemas.openxmlformats.org/drawingml/2006/main" xmlns:r="http://schemas.openxmlformats.org/officeDocument/2006/relationships" xmlns:p="http://schemas.openxmlformats.org/presentationml/2006/main">
+  <p:cSld>
+    <p:spTree>
+      <p:nvGrpSpPr>
+        <p:cNvPr id="1" name=""/>
+        <p:cNvGrpSpPr/>
+        <p:nvPr/>
+      </p:nvGrpSpPr>
+      <p:grpSpPr>
+        <a:xfrm>
+          <a:off x="0" y="0"/>
+          <a:ext cx="0" cy="0"/>
+          <a:chOff x="0" y="0"/>
+          <a:chExt cx="0" cy="0"/>
+        </a:xfrm>
+      </p:grpSpPr>
+      <p:sp>
+        <p:nvSpPr>
+          <p:cNvPr id="36866" name="Rectangle 2"/>
+          <p:cNvSpPr>
+            <a:spLocks noGrp="1" noChangeArrowheads="1"/>
+          </p:cNvSpPr>
+          <p:nvPr>
+            <p:ph type="title"/>
+          </p:nvPr>
+        </p:nvSpPr>
+        <p:spPr>
+          <a:xfrm>
+            <a:off x="466725" y="1268413"/>
+            <a:ext cx="8188325" cy="1223962"/>
+          </a:xfrm>
+        </p:spPr>
+        <p:txBody>
+          <a:bodyPr/>
+          <a:lstStyle/>
+          <a:p>
+            <a:r>
+              <a:rPr lang="en-US" dirty="0"/>
+              <a:t>Data Analysis</a:t>
+            </a:r>
+            <a:endParaRPr lang="uk-UA" dirty="0"/>
+          </a:p>
+        </p:txBody>
+      </p:sp>
+      <p:sp>
+        <p:nvSpPr>
+          <p:cNvPr id="36867" name="Rectangle 3"/>
+          <p:cNvSpPr>
+            <a:spLocks noGrp="1" noChangeArrowheads="1"/>
+          </p:cNvSpPr>
+          <p:nvPr>
+            <p:ph type="body" idx="1"/>
+          </p:nvPr>
+        </p:nvSpPr>
+        <p:spPr>
+          <a:xfrm>
+            <a:off x="468313" y="2492375"/>
+            <a:ext cx="8207375" cy="4033838"/>
+          </a:xfrm>
+        </p:spPr>
+        <p:txBody>
+          <a:bodyPr/>
+          <a:lstStyle/>
+          <a:p>
+            <a:pPr marL="0" indent="0">
+              <a:lnSpc>
+                <a:spcPct val="150000"/>
+              </a:lnSpc>
+              <a:buNone/>
+            </a:pPr>
+            <a:r>
+              <a:rPr lang="en-US" dirty="0"/>
+              <a:t>To analyze the data we collected and answer the questions we asked, we created several charts and plots to compare weather variables with fire statistics.  Some of our assumptions were validated, while others were not. Overall, we did find a positive relationship of weather to both the date a fire started and to the size of fire. </a:t>
+            </a:r>
+            <a:endParaRPr lang="uk-UA" dirty="0"/>
+          </a:p>
+        </p:txBody>
+      </p:sp>
+    </p:spTree>
+    <p:extLst>
+      <p:ext uri="{BB962C8B-B14F-4D97-AF65-F5344CB8AC3E}">
+        <p14:creationId xmlns:p14="http://schemas.microsoft.com/office/powerpoint/2010/main" val="3992320230"/>
+      </p:ext>
+    </p:extLst>
+  </p:cSld>
+  <p:clrMapOvr>
+    <a:masterClrMapping/>
+  </p:clrMapOvr>
+</p:sld>
+</file>
+
+<file path=ppt/slides/slide7.xml><?xml version="1.0" encoding="utf-8"?>
 <p:sld xmlns:a="http://schemas.openxmlformats.org/drawingml/2006/main" xmlns:r="http://schemas.openxmlformats.org/officeDocument/2006/relationships" xmlns:p="http://schemas.openxmlformats.org/presentationml/2006/main">
   <p:cSld>
     <p:spTree>
@@ -8315,7 +11016,7 @@
 </p:sld>
 </file>
 
-<file path=ppt/slides/slide5.xml><?xml version="1.0" encoding="utf-8"?>
+<file path=ppt/slides/slide8.xml><?xml version="1.0" encoding="utf-8"?>
 <p:sld xmlns:a="http://schemas.openxmlformats.org/drawingml/2006/main" xmlns:r="http://schemas.openxmlformats.org/officeDocument/2006/relationships" xmlns:p="http://schemas.openxmlformats.org/presentationml/2006/main">
   <p:cSld>
     <p:spTree>
@@ -8782,7 +11483,7 @@
 </p:sld>
 </file>
 
-<file path=ppt/slides/slide6.xml><?xml version="1.0" encoding="utf-8"?>
+<file path=ppt/slides/slide9.xml><?xml version="1.0" encoding="utf-8"?>
 <p:sld xmlns:a="http://schemas.openxmlformats.org/drawingml/2006/main" xmlns:r="http://schemas.openxmlformats.org/officeDocument/2006/relationships" xmlns:p="http://schemas.openxmlformats.org/presentationml/2006/main">
   <p:cSld>
     <p:spTree>
@@ -9000,7 +11701,7 @@
             </a:pPr>
             <a:r>
               <a:rPr lang="en-US" sz="1600" dirty="0"/>
-              <a:t>Yes, based on this data, lower humidity rates</a:t>
+              <a:t>Yes, based on this data, lower humidity rates in</a:t>
             </a:r>
           </a:p>
           <a:p>
@@ -9012,7 +11713,7 @@
             </a:pPr>
             <a:r>
               <a:rPr lang="en-US" sz="1600" dirty="0"/>
-              <a:t>can contribute to the start of a fire. </a:t>
+              <a:t>2013 and 2018 did contribute to the start of a fire. </a:t>
             </a:r>
           </a:p>
           <a:p>
@@ -9022,7 +11723,10 @@
               </a:lnSpc>
               <a:buNone/>
             </a:pPr>
-            <a:endParaRPr lang="en-US" sz="1400" dirty="0"/>
+            <a:r>
+              <a:rPr lang="en-US" sz="1600" dirty="0"/>
+              <a:t>However, the data is not consistent for 2015. </a:t>
+            </a:r>
           </a:p>
           <a:p>
             <a:pPr marL="0" indent="0">
@@ -9225,1241 +11929,6 @@
     <p:extLst>
       <p:ext uri="{BB962C8B-B14F-4D97-AF65-F5344CB8AC3E}">
         <p14:creationId xmlns:p14="http://schemas.microsoft.com/office/powerpoint/2010/main" val="3386582831"/>
-      </p:ext>
-    </p:extLst>
-  </p:cSld>
-  <p:clrMapOvr>
-    <a:masterClrMapping/>
-  </p:clrMapOvr>
-</p:sld>
-</file>
-
-<file path=ppt/slides/slide7.xml><?xml version="1.0" encoding="utf-8"?>
-<p:sld xmlns:a="http://schemas.openxmlformats.org/drawingml/2006/main" xmlns:r="http://schemas.openxmlformats.org/officeDocument/2006/relationships" xmlns:p="http://schemas.openxmlformats.org/presentationml/2006/main">
-  <p:cSld>
-    <p:spTree>
-      <p:nvGrpSpPr>
-        <p:cNvPr id="1" name=""/>
-        <p:cNvGrpSpPr/>
-        <p:nvPr/>
-      </p:nvGrpSpPr>
-      <p:grpSpPr>
-        <a:xfrm>
-          <a:off x="0" y="0"/>
-          <a:ext cx="0" cy="0"/>
-          <a:chOff x="0" y="0"/>
-          <a:chExt cx="0" cy="0"/>
-        </a:xfrm>
-      </p:grpSpPr>
-      <p:sp>
-        <p:nvSpPr>
-          <p:cNvPr id="195586" name="Rectangle 2"/>
-          <p:cNvSpPr>
-            <a:spLocks noGrp="1" noChangeArrowheads="1"/>
-          </p:cNvSpPr>
-          <p:nvPr>
-            <p:ph type="title"/>
-          </p:nvPr>
-        </p:nvSpPr>
-        <p:spPr>
-          <a:xfrm>
-            <a:off x="1908175" y="404813"/>
-            <a:ext cx="6767513" cy="1079500"/>
-          </a:xfrm>
-        </p:spPr>
-        <p:txBody>
-          <a:bodyPr/>
-          <a:lstStyle/>
-          <a:p>
-            <a:r>
-              <a:rPr lang="en-US" sz="2300" dirty="0"/>
-              <a:t>Plotting the Data:</a:t>
-            </a:r>
-            <a:br>
-              <a:rPr lang="en-US" sz="2300" dirty="0"/>
-            </a:br>
-            <a:r>
-              <a:rPr lang="en-US" sz="2300" dirty="0"/>
-              <a:t>Location of the fire by Longitude vs. Humidity</a:t>
-            </a:r>
-            <a:br>
-              <a:rPr lang="en-US" sz="2300" dirty="0"/>
-            </a:br>
-            <a:r>
-              <a:rPr lang="en-US" sz="2300" dirty="0"/>
-              <a:t>on the date the fire started</a:t>
-            </a:r>
-          </a:p>
-        </p:txBody>
-      </p:sp>
-      <p:sp>
-        <p:nvSpPr>
-          <p:cNvPr id="195587" name="Rectangle 3"/>
-          <p:cNvSpPr>
-            <a:spLocks noGrp="1" noChangeArrowheads="1"/>
-          </p:cNvSpPr>
-          <p:nvPr>
-            <p:ph type="body" idx="1"/>
-          </p:nvPr>
-        </p:nvSpPr>
-        <p:spPr>
-          <a:xfrm>
-            <a:off x="1908175" y="1700213"/>
-            <a:ext cx="6778625" cy="4968875"/>
-          </a:xfrm>
-        </p:spPr>
-        <p:txBody>
-          <a:bodyPr/>
-          <a:lstStyle/>
-          <a:p>
-            <a:pPr>
-              <a:lnSpc>
-                <a:spcPct val="80000"/>
-              </a:lnSpc>
-            </a:pPr>
-            <a:r>
-              <a:rPr lang="en-US" sz="1600" dirty="0"/>
-              <a:t>Is there a relationship of humidity levels</a:t>
-            </a:r>
-          </a:p>
-          <a:p>
-            <a:pPr marL="457200" lvl="1" indent="0">
-              <a:lnSpc>
-                <a:spcPct val="80000"/>
-              </a:lnSpc>
-              <a:buNone/>
-            </a:pPr>
-            <a:r>
-              <a:rPr lang="en-US" sz="1600" dirty="0"/>
-              <a:t>to the date a fire breaks out? </a:t>
-            </a:r>
-          </a:p>
-          <a:p>
-            <a:pPr marL="457200" lvl="1" indent="0">
-              <a:lnSpc>
-                <a:spcPct val="80000"/>
-              </a:lnSpc>
-              <a:buNone/>
-            </a:pPr>
-            <a:endParaRPr lang="en-US" sz="1600" dirty="0"/>
-          </a:p>
-          <a:p>
-            <a:pPr marL="400050">
-              <a:lnSpc>
-                <a:spcPct val="80000"/>
-              </a:lnSpc>
-            </a:pPr>
-            <a:r>
-              <a:rPr lang="en-US" sz="1600" dirty="0"/>
-              <a:t>How does humidity by</a:t>
-            </a:r>
-          </a:p>
-          <a:p>
-            <a:pPr marL="457200" lvl="1" indent="0">
-              <a:lnSpc>
-                <a:spcPct val="80000"/>
-              </a:lnSpc>
-              <a:buNone/>
-            </a:pPr>
-            <a:r>
-              <a:rPr lang="en-US" sz="1600" dirty="0"/>
-              <a:t>latitude (east vs west) impact</a:t>
-            </a:r>
-          </a:p>
-          <a:p>
-            <a:pPr marL="457200" lvl="1" indent="0">
-              <a:lnSpc>
-                <a:spcPct val="80000"/>
-              </a:lnSpc>
-              <a:buNone/>
-            </a:pPr>
-            <a:r>
-              <a:rPr lang="en-US" sz="1600" dirty="0"/>
-              <a:t>the start of a fire?</a:t>
-            </a:r>
-          </a:p>
-          <a:p>
-            <a:pPr marL="457200" lvl="1" indent="0">
-              <a:lnSpc>
-                <a:spcPct val="80000"/>
-              </a:lnSpc>
-              <a:buNone/>
-            </a:pPr>
-            <a:r>
-              <a:rPr lang="en-US" sz="1600" dirty="0"/>
-              <a:t> </a:t>
-            </a:r>
-          </a:p>
-          <a:p>
-            <a:pPr>
-              <a:lnSpc>
-                <a:spcPct val="80000"/>
-              </a:lnSpc>
-            </a:pPr>
-            <a:r>
-              <a:rPr lang="en-US" sz="1600" dirty="0"/>
-              <a:t>Do lower humidity levels (drier conditions)</a:t>
-            </a:r>
-          </a:p>
-          <a:p>
-            <a:pPr marL="457200" lvl="1" indent="0">
-              <a:lnSpc>
-                <a:spcPct val="80000"/>
-              </a:lnSpc>
-              <a:buNone/>
-            </a:pPr>
-            <a:r>
-              <a:rPr lang="en-US" sz="1600" dirty="0"/>
-              <a:t>lead to more fires? </a:t>
-            </a:r>
-          </a:p>
-          <a:p>
-            <a:pPr marL="0" indent="0">
-              <a:lnSpc>
-                <a:spcPct val="80000"/>
-              </a:lnSpc>
-              <a:buNone/>
-            </a:pPr>
-            <a:endParaRPr lang="en-US" sz="1600" dirty="0"/>
-          </a:p>
-          <a:p>
-            <a:pPr marL="0" indent="0">
-              <a:lnSpc>
-                <a:spcPct val="80000"/>
-              </a:lnSpc>
-              <a:buNone/>
-            </a:pPr>
-            <a:r>
-              <a:rPr lang="en-US" sz="1600" dirty="0"/>
-              <a:t>Conclusion:</a:t>
-            </a:r>
-          </a:p>
-          <a:p>
-            <a:pPr marL="0" indent="0">
-              <a:lnSpc>
-                <a:spcPct val="80000"/>
-              </a:lnSpc>
-              <a:buNone/>
-            </a:pPr>
-            <a:endParaRPr lang="en-US" sz="1600" dirty="0"/>
-          </a:p>
-          <a:p>
-            <a:pPr marL="0" indent="0">
-              <a:lnSpc>
-                <a:spcPct val="80000"/>
-              </a:lnSpc>
-              <a:buNone/>
-            </a:pPr>
-            <a:r>
-              <a:rPr lang="en-US" sz="1600" dirty="0"/>
-              <a:t>Yes, based on this data, lower humidity rates</a:t>
-            </a:r>
-          </a:p>
-          <a:p>
-            <a:pPr marL="0" indent="0">
-              <a:lnSpc>
-                <a:spcPct val="80000"/>
-              </a:lnSpc>
-              <a:buNone/>
-            </a:pPr>
-            <a:r>
-              <a:rPr lang="en-US" sz="1600" dirty="0"/>
-              <a:t>can contribute to the start of a fire. </a:t>
-            </a:r>
-          </a:p>
-          <a:p>
-            <a:pPr marL="0" indent="0">
-              <a:lnSpc>
-                <a:spcPct val="80000"/>
-              </a:lnSpc>
-              <a:buNone/>
-            </a:pPr>
-            <a:endParaRPr lang="en-US" sz="1400" dirty="0"/>
-          </a:p>
-          <a:p>
-            <a:pPr marL="0" indent="0">
-              <a:lnSpc>
-                <a:spcPct val="80000"/>
-              </a:lnSpc>
-              <a:buNone/>
-            </a:pPr>
-            <a:endParaRPr lang="en-US" sz="1400" dirty="0"/>
-          </a:p>
-          <a:p>
-            <a:pPr marL="0" indent="0">
-              <a:lnSpc>
-                <a:spcPct val="80000"/>
-              </a:lnSpc>
-              <a:buNone/>
-            </a:pPr>
-            <a:endParaRPr lang="en-US" sz="1400" dirty="0"/>
-          </a:p>
-          <a:p>
-            <a:pPr marL="0" indent="0">
-              <a:lnSpc>
-                <a:spcPct val="80000"/>
-              </a:lnSpc>
-              <a:buNone/>
-            </a:pPr>
-            <a:r>
-              <a:rPr lang="en-US" sz="1400" dirty="0"/>
-              <a:t>Lower longitude = Western California </a:t>
-            </a:r>
-          </a:p>
-          <a:p>
-            <a:pPr marL="0" indent="0">
-              <a:lnSpc>
-                <a:spcPct val="80000"/>
-              </a:lnSpc>
-              <a:buNone/>
-            </a:pPr>
-            <a:r>
-              <a:rPr lang="en-US" sz="1400" dirty="0"/>
-              <a:t>Higher longitude = Eastern California</a:t>
-            </a:r>
-          </a:p>
-          <a:p>
-            <a:pPr marL="0" indent="0">
-              <a:lnSpc>
-                <a:spcPct val="80000"/>
-              </a:lnSpc>
-              <a:buNone/>
-            </a:pPr>
-            <a:endParaRPr lang="en-US" sz="1400" dirty="0"/>
-          </a:p>
-          <a:p>
-            <a:pPr marL="0" indent="0">
-              <a:lnSpc>
-                <a:spcPct val="80000"/>
-              </a:lnSpc>
-              <a:buNone/>
-            </a:pPr>
-            <a:endParaRPr lang="en-US" sz="1400" dirty="0"/>
-          </a:p>
-          <a:p>
-            <a:pPr marL="0" indent="0">
-              <a:lnSpc>
-                <a:spcPct val="80000"/>
-              </a:lnSpc>
-              <a:buNone/>
-            </a:pPr>
-            <a:endParaRPr lang="en-US" dirty="0"/>
-          </a:p>
-          <a:p>
-            <a:pPr marL="0" indent="0">
-              <a:lnSpc>
-                <a:spcPct val="80000"/>
-              </a:lnSpc>
-              <a:buNone/>
-            </a:pPr>
-            <a:endParaRPr lang="en-US" dirty="0"/>
-          </a:p>
-        </p:txBody>
-      </p:sp>
-      <p:pic>
-        <p:nvPicPr>
-          <p:cNvPr id="3" name="Picture 2">
-            <a:extLst>
-              <a:ext uri="{FF2B5EF4-FFF2-40B4-BE49-F238E27FC236}">
-                <a16:creationId xmlns:a16="http://schemas.microsoft.com/office/drawing/2014/main" id="{6A533050-8345-5C47-BF1A-D2D30239A676}"/>
-              </a:ext>
-            </a:extLst>
-          </p:cNvPr>
-          <p:cNvPicPr>
-            <a:picLocks noChangeAspect="1"/>
-          </p:cNvPicPr>
-          <p:nvPr/>
-        </p:nvPicPr>
-        <p:blipFill>
-          <a:blip r:embed="rId2">
-            <a:extLst>
-              <a:ext uri="{28A0092B-C50C-407E-A947-70E740481C1C}">
-                <a14:useLocalDpi xmlns:a14="http://schemas.microsoft.com/office/drawing/2010/main" val="0"/>
-              </a:ext>
-            </a:extLst>
-          </a:blip>
-          <a:stretch>
-            <a:fillRect/>
-          </a:stretch>
-        </p:blipFill>
-        <p:spPr>
-          <a:xfrm>
-            <a:off x="6516216" y="1751760"/>
-            <a:ext cx="2468880" cy="1645920"/>
-          </a:xfrm>
-          <a:prstGeom prst="rect">
-            <a:avLst/>
-          </a:prstGeom>
-        </p:spPr>
-      </p:pic>
-      <p:pic>
-        <p:nvPicPr>
-          <p:cNvPr id="6" name="Picture 5">
-            <a:extLst>
-              <a:ext uri="{FF2B5EF4-FFF2-40B4-BE49-F238E27FC236}">
-                <a16:creationId xmlns:a16="http://schemas.microsoft.com/office/drawing/2014/main" id="{91AAEE91-61B7-8040-A797-02E37B2935E6}"/>
-              </a:ext>
-            </a:extLst>
-          </p:cNvPr>
-          <p:cNvPicPr>
-            <a:picLocks noChangeAspect="1"/>
-          </p:cNvPicPr>
-          <p:nvPr/>
-        </p:nvPicPr>
-        <p:blipFill>
-          <a:blip r:embed="rId3">
-            <a:extLst>
-              <a:ext uri="{28A0092B-C50C-407E-A947-70E740481C1C}">
-                <a14:useLocalDpi xmlns:a14="http://schemas.microsoft.com/office/drawing/2010/main" val="0"/>
-              </a:ext>
-            </a:extLst>
-          </a:blip>
-          <a:stretch>
-            <a:fillRect/>
-          </a:stretch>
-        </p:blipFill>
-        <p:spPr>
-          <a:xfrm>
-            <a:off x="6516216" y="3377248"/>
-            <a:ext cx="2468880" cy="1645920"/>
-          </a:xfrm>
-          <a:prstGeom prst="rect">
-            <a:avLst/>
-          </a:prstGeom>
-        </p:spPr>
-      </p:pic>
-      <p:pic>
-        <p:nvPicPr>
-          <p:cNvPr id="9" name="Picture 8">
-            <a:extLst>
-              <a:ext uri="{FF2B5EF4-FFF2-40B4-BE49-F238E27FC236}">
-                <a16:creationId xmlns:a16="http://schemas.microsoft.com/office/drawing/2014/main" id="{CF8BFAA0-1333-744A-ACC6-A0EC2434C9E3}"/>
-              </a:ext>
-            </a:extLst>
-          </p:cNvPr>
-          <p:cNvPicPr>
-            <a:picLocks noChangeAspect="1"/>
-          </p:cNvPicPr>
-          <p:nvPr/>
-        </p:nvPicPr>
-        <p:blipFill>
-          <a:blip r:embed="rId4">
-            <a:extLst>
-              <a:ext uri="{28A0092B-C50C-407E-A947-70E740481C1C}">
-                <a14:useLocalDpi xmlns:a14="http://schemas.microsoft.com/office/drawing/2010/main" val="0"/>
-              </a:ext>
-            </a:extLst>
-          </a:blip>
-          <a:stretch>
-            <a:fillRect/>
-          </a:stretch>
-        </p:blipFill>
-        <p:spPr>
-          <a:xfrm>
-            <a:off x="6516216" y="5023168"/>
-            <a:ext cx="2468880" cy="1645920"/>
-          </a:xfrm>
-          <a:prstGeom prst="rect">
-            <a:avLst/>
-          </a:prstGeom>
-        </p:spPr>
-      </p:pic>
-    </p:spTree>
-    <p:extLst>
-      <p:ext uri="{BB962C8B-B14F-4D97-AF65-F5344CB8AC3E}">
-        <p14:creationId xmlns:p14="http://schemas.microsoft.com/office/powerpoint/2010/main" val="3686423176"/>
-      </p:ext>
-    </p:extLst>
-  </p:cSld>
-  <p:clrMapOvr>
-    <a:masterClrMapping/>
-  </p:clrMapOvr>
-</p:sld>
-</file>
-
-<file path=ppt/slides/slide8.xml><?xml version="1.0" encoding="utf-8"?>
-<p:sld xmlns:a="http://schemas.openxmlformats.org/drawingml/2006/main" xmlns:r="http://schemas.openxmlformats.org/officeDocument/2006/relationships" xmlns:p="http://schemas.openxmlformats.org/presentationml/2006/main">
-  <p:cSld>
-    <p:spTree>
-      <p:nvGrpSpPr>
-        <p:cNvPr id="1" name=""/>
-        <p:cNvGrpSpPr/>
-        <p:nvPr/>
-      </p:nvGrpSpPr>
-      <p:grpSpPr>
-        <a:xfrm>
-          <a:off x="0" y="0"/>
-          <a:ext cx="0" cy="0"/>
-          <a:chOff x="0" y="0"/>
-          <a:chExt cx="0" cy="0"/>
-        </a:xfrm>
-      </p:grpSpPr>
-      <p:sp>
-        <p:nvSpPr>
-          <p:cNvPr id="195586" name="Rectangle 2"/>
-          <p:cNvSpPr>
-            <a:spLocks noGrp="1" noChangeArrowheads="1"/>
-          </p:cNvSpPr>
-          <p:nvPr>
-            <p:ph type="title"/>
-          </p:nvPr>
-        </p:nvSpPr>
-        <p:spPr>
-          <a:xfrm>
-            <a:off x="1908175" y="404813"/>
-            <a:ext cx="6767513" cy="1079500"/>
-          </a:xfrm>
-        </p:spPr>
-        <p:txBody>
-          <a:bodyPr/>
-          <a:lstStyle/>
-          <a:p>
-            <a:r>
-              <a:rPr lang="en-US" sz="2300" dirty="0"/>
-              <a:t>Plotting the Data:</a:t>
-            </a:r>
-            <a:br>
-              <a:rPr lang="en-US" sz="2300" dirty="0"/>
-            </a:br>
-            <a:r>
-              <a:rPr lang="en-US" sz="2300" dirty="0"/>
-              <a:t>Weather Conditions the Day a Fire Starts - Temperature</a:t>
-            </a:r>
-          </a:p>
-        </p:txBody>
-      </p:sp>
-      <p:sp>
-        <p:nvSpPr>
-          <p:cNvPr id="195587" name="Rectangle 3"/>
-          <p:cNvSpPr>
-            <a:spLocks noGrp="1" noChangeArrowheads="1"/>
-          </p:cNvSpPr>
-          <p:nvPr>
-            <p:ph type="body" idx="1"/>
-          </p:nvPr>
-        </p:nvSpPr>
-        <p:spPr>
-          <a:xfrm>
-            <a:off x="1908175" y="1700213"/>
-            <a:ext cx="6778625" cy="4968875"/>
-          </a:xfrm>
-        </p:spPr>
-        <p:txBody>
-          <a:bodyPr/>
-          <a:lstStyle/>
-          <a:p>
-            <a:pPr>
-              <a:lnSpc>
-                <a:spcPct val="80000"/>
-              </a:lnSpc>
-            </a:pPr>
-            <a:r>
-              <a:rPr lang="en-US" sz="1600" dirty="0"/>
-              <a:t>Does the daily weather conditions increase</a:t>
-            </a:r>
-          </a:p>
-          <a:p>
-            <a:pPr marL="457200" lvl="1" indent="0">
-              <a:lnSpc>
-                <a:spcPct val="80000"/>
-              </a:lnSpc>
-              <a:buNone/>
-            </a:pPr>
-            <a:r>
-              <a:rPr lang="en-US" sz="1600" dirty="0"/>
-              <a:t>the likelihood a fire will break out?</a:t>
-            </a:r>
-          </a:p>
-          <a:p>
-            <a:pPr marL="457200" lvl="1" indent="0">
-              <a:lnSpc>
-                <a:spcPct val="80000"/>
-              </a:lnSpc>
-              <a:buNone/>
-            </a:pPr>
-            <a:r>
-              <a:rPr lang="en-US" sz="1600" dirty="0"/>
-              <a:t> </a:t>
-            </a:r>
-          </a:p>
-          <a:p>
-            <a:pPr>
-              <a:lnSpc>
-                <a:spcPct val="80000"/>
-              </a:lnSpc>
-            </a:pPr>
-            <a:r>
-              <a:rPr lang="en-US" sz="1600" dirty="0"/>
-              <a:t>Do higher temperatures lead to fires? </a:t>
-            </a:r>
-          </a:p>
-          <a:p>
-            <a:pPr>
-              <a:lnSpc>
-                <a:spcPct val="80000"/>
-              </a:lnSpc>
-            </a:pPr>
-            <a:endParaRPr lang="en-US" sz="1600" dirty="0"/>
-          </a:p>
-          <a:p>
-            <a:pPr>
-              <a:lnSpc>
-                <a:spcPct val="80000"/>
-              </a:lnSpc>
-            </a:pPr>
-            <a:r>
-              <a:rPr lang="en-US" sz="1600" dirty="0"/>
-              <a:t>Is there a “fire season” when fires are more</a:t>
-            </a:r>
-          </a:p>
-          <a:p>
-            <a:pPr marL="457200" lvl="1" indent="0">
-              <a:lnSpc>
-                <a:spcPct val="80000"/>
-              </a:lnSpc>
-              <a:buNone/>
-            </a:pPr>
-            <a:r>
-              <a:rPr lang="en-US" sz="1600" dirty="0"/>
-              <a:t>likely to break out? </a:t>
-            </a:r>
-          </a:p>
-          <a:p>
-            <a:pPr marL="0" indent="0">
-              <a:lnSpc>
-                <a:spcPct val="80000"/>
-              </a:lnSpc>
-              <a:buNone/>
-            </a:pPr>
-            <a:endParaRPr lang="en-US" sz="1600" dirty="0"/>
-          </a:p>
-          <a:p>
-            <a:pPr marL="0" indent="0">
-              <a:lnSpc>
-                <a:spcPct val="80000"/>
-              </a:lnSpc>
-              <a:buNone/>
-            </a:pPr>
-            <a:r>
-              <a:rPr lang="en-US" sz="1600" dirty="0"/>
-              <a:t>Conclusion:</a:t>
-            </a:r>
-          </a:p>
-          <a:p>
-            <a:pPr marL="0" indent="0">
-              <a:lnSpc>
-                <a:spcPct val="80000"/>
-              </a:lnSpc>
-              <a:buNone/>
-            </a:pPr>
-            <a:endParaRPr lang="en-US" sz="1600" dirty="0"/>
-          </a:p>
-          <a:p>
-            <a:pPr marL="0" indent="0">
-              <a:lnSpc>
-                <a:spcPct val="80000"/>
-              </a:lnSpc>
-              <a:buNone/>
-            </a:pPr>
-            <a:r>
-              <a:rPr lang="en-US" sz="1600" dirty="0"/>
-              <a:t>Fire season was contained to a handful of </a:t>
-            </a:r>
-          </a:p>
-          <a:p>
-            <a:pPr marL="0" indent="0">
-              <a:lnSpc>
-                <a:spcPct val="80000"/>
-              </a:lnSpc>
-              <a:buNone/>
-            </a:pPr>
-            <a:r>
-              <a:rPr lang="en-US" sz="1600" dirty="0"/>
-              <a:t>months in the year. During the worst year </a:t>
-            </a:r>
-          </a:p>
-          <a:p>
-            <a:pPr marL="0" indent="0">
-              <a:lnSpc>
-                <a:spcPct val="80000"/>
-              </a:lnSpc>
-              <a:buNone/>
-            </a:pPr>
-            <a:r>
-              <a:rPr lang="en-US" sz="1600" dirty="0"/>
-              <a:t>of fires in California, fires broke out every </a:t>
-            </a:r>
-          </a:p>
-          <a:p>
-            <a:pPr marL="0" indent="0">
-              <a:lnSpc>
-                <a:spcPct val="80000"/>
-              </a:lnSpc>
-              <a:buNone/>
-            </a:pPr>
-            <a:r>
-              <a:rPr lang="en-US" sz="1600" dirty="0"/>
-              <a:t>month, especially when the temperatures</a:t>
-            </a:r>
-          </a:p>
-          <a:p>
-            <a:pPr marL="0" indent="0">
-              <a:lnSpc>
-                <a:spcPct val="80000"/>
-              </a:lnSpc>
-              <a:buNone/>
-            </a:pPr>
-            <a:r>
-              <a:rPr lang="en-US" sz="1600" dirty="0"/>
-              <a:t>were higher.</a:t>
-            </a:r>
-          </a:p>
-          <a:p>
-            <a:pPr marL="0" indent="0">
-              <a:lnSpc>
-                <a:spcPct val="80000"/>
-              </a:lnSpc>
-              <a:buNone/>
-            </a:pPr>
-            <a:endParaRPr lang="en-US" sz="1400" dirty="0"/>
-          </a:p>
-          <a:p>
-            <a:pPr marL="0" indent="0">
-              <a:lnSpc>
-                <a:spcPct val="80000"/>
-              </a:lnSpc>
-              <a:buNone/>
-            </a:pPr>
-            <a:endParaRPr lang="en-US" sz="1400" dirty="0"/>
-          </a:p>
-          <a:p>
-            <a:pPr marL="0" indent="0">
-              <a:lnSpc>
-                <a:spcPct val="80000"/>
-              </a:lnSpc>
-              <a:buNone/>
-            </a:pPr>
-            <a:endParaRPr lang="en-US" sz="1400" dirty="0"/>
-          </a:p>
-          <a:p>
-            <a:pPr marL="0" indent="0">
-              <a:lnSpc>
-                <a:spcPct val="80000"/>
-              </a:lnSpc>
-              <a:buNone/>
-            </a:pPr>
-            <a:endParaRPr lang="en-US" sz="1400" dirty="0"/>
-          </a:p>
-          <a:p>
-            <a:pPr marL="0" indent="0">
-              <a:lnSpc>
-                <a:spcPct val="80000"/>
-              </a:lnSpc>
-              <a:buNone/>
-            </a:pPr>
-            <a:endParaRPr lang="en-US" dirty="0"/>
-          </a:p>
-          <a:p>
-            <a:pPr marL="0" indent="0">
-              <a:lnSpc>
-                <a:spcPct val="80000"/>
-              </a:lnSpc>
-              <a:buNone/>
-            </a:pPr>
-            <a:endParaRPr lang="en-US" dirty="0"/>
-          </a:p>
-        </p:txBody>
-      </p:sp>
-      <p:pic>
-        <p:nvPicPr>
-          <p:cNvPr id="10" name="Picture 9">
-            <a:extLst>
-              <a:ext uri="{FF2B5EF4-FFF2-40B4-BE49-F238E27FC236}">
-                <a16:creationId xmlns:a16="http://schemas.microsoft.com/office/drawing/2014/main" id="{E9084EED-F390-CD48-842C-FC5044AAF2C4}"/>
-              </a:ext>
-            </a:extLst>
-          </p:cNvPr>
-          <p:cNvPicPr>
-            <a:picLocks noChangeAspect="1"/>
-          </p:cNvPicPr>
-          <p:nvPr/>
-        </p:nvPicPr>
-        <p:blipFill>
-          <a:blip r:embed="rId2">
-            <a:extLst>
-              <a:ext uri="{28A0092B-C50C-407E-A947-70E740481C1C}">
-                <a14:useLocalDpi xmlns:a14="http://schemas.microsoft.com/office/drawing/2010/main" val="0"/>
-              </a:ext>
-            </a:extLst>
-          </a:blip>
-          <a:stretch>
-            <a:fillRect/>
-          </a:stretch>
-        </p:blipFill>
-        <p:spPr>
-          <a:xfrm>
-            <a:off x="6425482" y="1505200"/>
-            <a:ext cx="2468880" cy="1645920"/>
-          </a:xfrm>
-          <a:prstGeom prst="rect">
-            <a:avLst/>
-          </a:prstGeom>
-        </p:spPr>
-      </p:pic>
-      <p:pic>
-        <p:nvPicPr>
-          <p:cNvPr id="14" name="Picture 13">
-            <a:extLst>
-              <a:ext uri="{FF2B5EF4-FFF2-40B4-BE49-F238E27FC236}">
-                <a16:creationId xmlns:a16="http://schemas.microsoft.com/office/drawing/2014/main" id="{E29316E7-DB31-C740-9303-FF9D5B43FFE0}"/>
-              </a:ext>
-            </a:extLst>
-          </p:cNvPr>
-          <p:cNvPicPr>
-            <a:picLocks noChangeAspect="1"/>
-          </p:cNvPicPr>
-          <p:nvPr/>
-        </p:nvPicPr>
-        <p:blipFill>
-          <a:blip r:embed="rId3">
-            <a:extLst>
-              <a:ext uri="{28A0092B-C50C-407E-A947-70E740481C1C}">
-                <a14:useLocalDpi xmlns:a14="http://schemas.microsoft.com/office/drawing/2010/main" val="0"/>
-              </a:ext>
-            </a:extLst>
-          </a:blip>
-          <a:stretch>
-            <a:fillRect/>
-          </a:stretch>
-        </p:blipFill>
-        <p:spPr>
-          <a:xfrm>
-            <a:off x="6444216" y="3192369"/>
-            <a:ext cx="2468880" cy="1645920"/>
-          </a:xfrm>
-          <a:prstGeom prst="rect">
-            <a:avLst/>
-          </a:prstGeom>
-        </p:spPr>
-      </p:pic>
-      <p:pic>
-        <p:nvPicPr>
-          <p:cNvPr id="16" name="Picture 15">
-            <a:extLst>
-              <a:ext uri="{FF2B5EF4-FFF2-40B4-BE49-F238E27FC236}">
-                <a16:creationId xmlns:a16="http://schemas.microsoft.com/office/drawing/2014/main" id="{05F7ACB9-A35C-AB48-A20F-B0DA8F7F9EB0}"/>
-              </a:ext>
-            </a:extLst>
-          </p:cNvPr>
-          <p:cNvPicPr>
-            <a:picLocks noChangeAspect="1"/>
-          </p:cNvPicPr>
-          <p:nvPr/>
-        </p:nvPicPr>
-        <p:blipFill>
-          <a:blip r:embed="rId4">
-            <a:extLst>
-              <a:ext uri="{28A0092B-C50C-407E-A947-70E740481C1C}">
-                <a14:useLocalDpi xmlns:a14="http://schemas.microsoft.com/office/drawing/2010/main" val="0"/>
-              </a:ext>
-            </a:extLst>
-          </a:blip>
-          <a:stretch>
-            <a:fillRect/>
-          </a:stretch>
-        </p:blipFill>
-        <p:spPr>
-          <a:xfrm>
-            <a:off x="6516216" y="4879538"/>
-            <a:ext cx="2468880" cy="1645920"/>
-          </a:xfrm>
-          <a:prstGeom prst="rect">
-            <a:avLst/>
-          </a:prstGeom>
-        </p:spPr>
-      </p:pic>
-    </p:spTree>
-    <p:extLst>
-      <p:ext uri="{BB962C8B-B14F-4D97-AF65-F5344CB8AC3E}">
-        <p14:creationId xmlns:p14="http://schemas.microsoft.com/office/powerpoint/2010/main" val="2223751847"/>
-      </p:ext>
-    </p:extLst>
-  </p:cSld>
-  <p:clrMapOvr>
-    <a:masterClrMapping/>
-  </p:clrMapOvr>
-</p:sld>
-</file>
-
-<file path=ppt/slides/slide9.xml><?xml version="1.0" encoding="utf-8"?>
-<p:sld xmlns:a="http://schemas.openxmlformats.org/drawingml/2006/main" xmlns:r="http://schemas.openxmlformats.org/officeDocument/2006/relationships" xmlns:p="http://schemas.openxmlformats.org/presentationml/2006/main">
-  <p:cSld>
-    <p:spTree>
-      <p:nvGrpSpPr>
-        <p:cNvPr id="1" name=""/>
-        <p:cNvGrpSpPr/>
-        <p:nvPr/>
-      </p:nvGrpSpPr>
-      <p:grpSpPr>
-        <a:xfrm>
-          <a:off x="0" y="0"/>
-          <a:ext cx="0" cy="0"/>
-          <a:chOff x="0" y="0"/>
-          <a:chExt cx="0" cy="0"/>
-        </a:xfrm>
-      </p:grpSpPr>
-      <p:sp>
-        <p:nvSpPr>
-          <p:cNvPr id="195586" name="Rectangle 2"/>
-          <p:cNvSpPr>
-            <a:spLocks noGrp="1" noChangeArrowheads="1"/>
-          </p:cNvSpPr>
-          <p:nvPr>
-            <p:ph type="title"/>
-          </p:nvPr>
-        </p:nvSpPr>
-        <p:spPr>
-          <a:xfrm>
-            <a:off x="1908175" y="404813"/>
-            <a:ext cx="6767513" cy="1079500"/>
-          </a:xfrm>
-        </p:spPr>
-        <p:txBody>
-          <a:bodyPr/>
-          <a:lstStyle/>
-          <a:p>
-            <a:r>
-              <a:rPr lang="en-US" sz="2300" dirty="0"/>
-              <a:t>Plotting the Data:</a:t>
-            </a:r>
-            <a:br>
-              <a:rPr lang="en-US" sz="2300" dirty="0"/>
-            </a:br>
-            <a:r>
-              <a:rPr lang="en-US" sz="2300" dirty="0"/>
-              <a:t>Weather Conditions the Day a Fire Starts - Humidity</a:t>
-            </a:r>
-          </a:p>
-        </p:txBody>
-      </p:sp>
-      <p:sp>
-        <p:nvSpPr>
-          <p:cNvPr id="195587" name="Rectangle 3"/>
-          <p:cNvSpPr>
-            <a:spLocks noGrp="1" noChangeArrowheads="1"/>
-          </p:cNvSpPr>
-          <p:nvPr>
-            <p:ph type="body" idx="1"/>
-          </p:nvPr>
-        </p:nvSpPr>
-        <p:spPr>
-          <a:xfrm>
-            <a:off x="1908175" y="1700213"/>
-            <a:ext cx="6778625" cy="4968875"/>
-          </a:xfrm>
-        </p:spPr>
-        <p:txBody>
-          <a:bodyPr/>
-          <a:lstStyle/>
-          <a:p>
-            <a:pPr>
-              <a:lnSpc>
-                <a:spcPct val="80000"/>
-              </a:lnSpc>
-            </a:pPr>
-            <a:r>
-              <a:rPr lang="en-US" sz="1600" dirty="0"/>
-              <a:t>Does the daily weather conditions increase</a:t>
-            </a:r>
-          </a:p>
-          <a:p>
-            <a:pPr marL="457200" lvl="1" indent="0">
-              <a:lnSpc>
-                <a:spcPct val="80000"/>
-              </a:lnSpc>
-              <a:buNone/>
-            </a:pPr>
-            <a:r>
-              <a:rPr lang="en-US" sz="1600" dirty="0"/>
-              <a:t>the likelihood a fire will break out?</a:t>
-            </a:r>
-          </a:p>
-          <a:p>
-            <a:pPr marL="457200" lvl="1" indent="0">
-              <a:lnSpc>
-                <a:spcPct val="80000"/>
-              </a:lnSpc>
-              <a:buNone/>
-            </a:pPr>
-            <a:r>
-              <a:rPr lang="en-US" sz="1600" dirty="0"/>
-              <a:t> </a:t>
-            </a:r>
-          </a:p>
-          <a:p>
-            <a:pPr>
-              <a:lnSpc>
-                <a:spcPct val="80000"/>
-              </a:lnSpc>
-            </a:pPr>
-            <a:r>
-              <a:rPr lang="en-US" sz="1600" dirty="0"/>
-              <a:t>Do humidity levels lead to fires? </a:t>
-            </a:r>
-          </a:p>
-          <a:p>
-            <a:pPr>
-              <a:lnSpc>
-                <a:spcPct val="80000"/>
-              </a:lnSpc>
-            </a:pPr>
-            <a:endParaRPr lang="en-US" sz="1600" dirty="0"/>
-          </a:p>
-          <a:p>
-            <a:pPr>
-              <a:lnSpc>
-                <a:spcPct val="80000"/>
-              </a:lnSpc>
-            </a:pPr>
-            <a:r>
-              <a:rPr lang="en-US" sz="1600" dirty="0"/>
-              <a:t>Is there a “fire season” when fires are more</a:t>
-            </a:r>
-          </a:p>
-          <a:p>
-            <a:pPr marL="457200" lvl="1" indent="0">
-              <a:lnSpc>
-                <a:spcPct val="80000"/>
-              </a:lnSpc>
-              <a:buNone/>
-            </a:pPr>
-            <a:r>
-              <a:rPr lang="en-US" sz="1600" dirty="0"/>
-              <a:t>likely to break out? </a:t>
-            </a:r>
-          </a:p>
-          <a:p>
-            <a:pPr marL="0" indent="0">
-              <a:lnSpc>
-                <a:spcPct val="80000"/>
-              </a:lnSpc>
-              <a:buNone/>
-            </a:pPr>
-            <a:endParaRPr lang="en-US" sz="1600" dirty="0"/>
-          </a:p>
-          <a:p>
-            <a:pPr marL="0" indent="0">
-              <a:lnSpc>
-                <a:spcPct val="80000"/>
-              </a:lnSpc>
-              <a:buNone/>
-            </a:pPr>
-            <a:r>
-              <a:rPr lang="en-US" sz="1600" dirty="0"/>
-              <a:t>Conclusion:</a:t>
-            </a:r>
-          </a:p>
-          <a:p>
-            <a:pPr marL="0" indent="0">
-              <a:lnSpc>
-                <a:spcPct val="80000"/>
-              </a:lnSpc>
-              <a:buNone/>
-            </a:pPr>
-            <a:endParaRPr lang="en-US" sz="1600" dirty="0"/>
-          </a:p>
-          <a:p>
-            <a:pPr marL="0" indent="0">
-              <a:lnSpc>
-                <a:spcPct val="80000"/>
-              </a:lnSpc>
-              <a:buNone/>
-            </a:pPr>
-            <a:r>
-              <a:rPr lang="en-US" sz="1600" dirty="0"/>
-              <a:t>Lower levels of humidity do have some</a:t>
-            </a:r>
-          </a:p>
-          <a:p>
-            <a:pPr marL="0" indent="0">
-              <a:lnSpc>
-                <a:spcPct val="80000"/>
-              </a:lnSpc>
-              <a:buNone/>
-            </a:pPr>
-            <a:r>
-              <a:rPr lang="en-US" sz="1600" dirty="0"/>
-              <a:t>effect on fires breaking out.</a:t>
-            </a:r>
-          </a:p>
-          <a:p>
-            <a:pPr marL="0" indent="0">
-              <a:lnSpc>
-                <a:spcPct val="80000"/>
-              </a:lnSpc>
-              <a:buNone/>
-            </a:pPr>
-            <a:endParaRPr lang="en-US" sz="1400" dirty="0"/>
-          </a:p>
-          <a:p>
-            <a:pPr marL="0" indent="0">
-              <a:lnSpc>
-                <a:spcPct val="80000"/>
-              </a:lnSpc>
-              <a:buNone/>
-            </a:pPr>
-            <a:endParaRPr lang="en-US" sz="1400" dirty="0"/>
-          </a:p>
-          <a:p>
-            <a:pPr marL="0" indent="0">
-              <a:lnSpc>
-                <a:spcPct val="80000"/>
-              </a:lnSpc>
-              <a:buNone/>
-            </a:pPr>
-            <a:endParaRPr lang="en-US" sz="1400" dirty="0"/>
-          </a:p>
-          <a:p>
-            <a:pPr marL="0" indent="0">
-              <a:lnSpc>
-                <a:spcPct val="80000"/>
-              </a:lnSpc>
-              <a:buNone/>
-            </a:pPr>
-            <a:endParaRPr lang="en-US" sz="1400" dirty="0"/>
-          </a:p>
-          <a:p>
-            <a:pPr marL="0" indent="0">
-              <a:lnSpc>
-                <a:spcPct val="80000"/>
-              </a:lnSpc>
-              <a:buNone/>
-            </a:pPr>
-            <a:endParaRPr lang="en-US" dirty="0"/>
-          </a:p>
-          <a:p>
-            <a:pPr marL="0" indent="0">
-              <a:lnSpc>
-                <a:spcPct val="80000"/>
-              </a:lnSpc>
-              <a:buNone/>
-            </a:pPr>
-            <a:endParaRPr lang="en-US" dirty="0"/>
-          </a:p>
-        </p:txBody>
-      </p:sp>
-      <p:pic>
-        <p:nvPicPr>
-          <p:cNvPr id="3" name="Picture 2">
-            <a:extLst>
-              <a:ext uri="{FF2B5EF4-FFF2-40B4-BE49-F238E27FC236}">
-                <a16:creationId xmlns:a16="http://schemas.microsoft.com/office/drawing/2014/main" id="{071A3730-C4E1-334A-AD46-576DAFE0F5E8}"/>
-              </a:ext>
-            </a:extLst>
-          </p:cNvPr>
-          <p:cNvPicPr>
-            <a:picLocks noChangeAspect="1"/>
-          </p:cNvPicPr>
-          <p:nvPr/>
-        </p:nvPicPr>
-        <p:blipFill>
-          <a:blip r:embed="rId2">
-            <a:extLst>
-              <a:ext uri="{28A0092B-C50C-407E-A947-70E740481C1C}">
-                <a14:useLocalDpi xmlns:a14="http://schemas.microsoft.com/office/drawing/2010/main" val="0"/>
-              </a:ext>
-            </a:extLst>
-          </a:blip>
-          <a:stretch>
-            <a:fillRect/>
-          </a:stretch>
-        </p:blipFill>
-        <p:spPr>
-          <a:xfrm>
-            <a:off x="6460994" y="4915218"/>
-            <a:ext cx="2468880" cy="1645920"/>
-          </a:xfrm>
-          <a:prstGeom prst="rect">
-            <a:avLst/>
-          </a:prstGeom>
-        </p:spPr>
-      </p:pic>
-      <p:pic>
-        <p:nvPicPr>
-          <p:cNvPr id="5" name="Picture 4">
-            <a:extLst>
-              <a:ext uri="{FF2B5EF4-FFF2-40B4-BE49-F238E27FC236}">
-                <a16:creationId xmlns:a16="http://schemas.microsoft.com/office/drawing/2014/main" id="{B458A291-CF22-5E41-8E71-13A039BA5EFE}"/>
-              </a:ext>
-            </a:extLst>
-          </p:cNvPr>
-          <p:cNvPicPr>
-            <a:picLocks noChangeAspect="1"/>
-          </p:cNvPicPr>
-          <p:nvPr/>
-        </p:nvPicPr>
-        <p:blipFill>
-          <a:blip r:embed="rId3">
-            <a:extLst>
-              <a:ext uri="{28A0092B-C50C-407E-A947-70E740481C1C}">
-                <a14:useLocalDpi xmlns:a14="http://schemas.microsoft.com/office/drawing/2010/main" val="0"/>
-              </a:ext>
-            </a:extLst>
-          </a:blip>
-          <a:stretch>
-            <a:fillRect/>
-          </a:stretch>
-        </p:blipFill>
-        <p:spPr>
-          <a:xfrm>
-            <a:off x="6460994" y="3269298"/>
-            <a:ext cx="2468880" cy="1645920"/>
-          </a:xfrm>
-          <a:prstGeom prst="rect">
-            <a:avLst/>
-          </a:prstGeom>
-        </p:spPr>
-      </p:pic>
-      <p:pic>
-        <p:nvPicPr>
-          <p:cNvPr id="7" name="Picture 6">
-            <a:extLst>
-              <a:ext uri="{FF2B5EF4-FFF2-40B4-BE49-F238E27FC236}">
-                <a16:creationId xmlns:a16="http://schemas.microsoft.com/office/drawing/2014/main" id="{8F6E3E82-6897-8847-9D15-53AABB2A6824}"/>
-              </a:ext>
-            </a:extLst>
-          </p:cNvPr>
-          <p:cNvPicPr>
-            <a:picLocks noChangeAspect="1"/>
-          </p:cNvPicPr>
-          <p:nvPr/>
-        </p:nvPicPr>
-        <p:blipFill>
-          <a:blip r:embed="rId4">
-            <a:extLst>
-              <a:ext uri="{28A0092B-C50C-407E-A947-70E740481C1C}">
-                <a14:useLocalDpi xmlns:a14="http://schemas.microsoft.com/office/drawing/2010/main" val="0"/>
-              </a:ext>
-            </a:extLst>
-          </a:blip>
-          <a:stretch>
-            <a:fillRect/>
-          </a:stretch>
-        </p:blipFill>
-        <p:spPr>
-          <a:xfrm>
-            <a:off x="6460994" y="1623378"/>
-            <a:ext cx="2468880" cy="1645920"/>
-          </a:xfrm>
-          <a:prstGeom prst="rect">
-            <a:avLst/>
-          </a:prstGeom>
-        </p:spPr>
-      </p:pic>
-    </p:spTree>
-    <p:extLst>
-      <p:ext uri="{BB962C8B-B14F-4D97-AF65-F5344CB8AC3E}">
-        <p14:creationId xmlns:p14="http://schemas.microsoft.com/office/powerpoint/2010/main" val="2693467877"/>
       </p:ext>
     </p:extLst>
   </p:cSld>

--- a/ppt_writeup/Team7Project.pptx
+++ b/ppt_writeup/Team7Project.pptx
@@ -6467,7 +6467,27 @@
           <a:p>
             <a:r>
               <a:rPr lang="en-US" sz="1800" dirty="0"/>
-              <a:t>Team 7 – Ben, Lori, Alimi</a:t>
+              <a:t>Team 7 – Ben </a:t>
+            </a:r>
+            <a:r>
+              <a:rPr lang="en-US" sz="1800" dirty="0" err="1"/>
+              <a:t>Farniok</a:t>
+            </a:r>
+            <a:r>
+              <a:rPr lang="en-US" sz="1800" dirty="0"/>
+              <a:t>, Lori Shannon, </a:t>
+            </a:r>
+            <a:r>
+              <a:rPr lang="en-US" sz="1800" dirty="0" err="1"/>
+              <a:t>Mukaila</a:t>
+            </a:r>
+            <a:r>
+              <a:rPr lang="en-US" sz="1800" dirty="0"/>
+              <a:t> </a:t>
+            </a:r>
+            <a:r>
+              <a:rPr lang="en-US" sz="1800" dirty="0" err="1"/>
+              <a:t>Alimi</a:t>
             </a:r>
             <a:endParaRPr lang="uk-UA" sz="1800" dirty="0"/>
           </a:p>
@@ -6699,7 +6719,7 @@
             </a:pPr>
             <a:r>
               <a:rPr lang="en-US" sz="1600" dirty="0"/>
-              <a:t>Yes, based on this data, lower humidity rates in</a:t>
+              <a:t>Yes, based on this data, lower humidity rates</a:t>
             </a:r>
           </a:p>
           <a:p>
@@ -6711,7 +6731,7 @@
             </a:pPr>
             <a:r>
               <a:rPr lang="en-US" sz="1600" dirty="0"/>
-              <a:t>2013 and 2018 did contribute to the start of a fire. </a:t>
+              <a:t>in 2013 and 2018 may have contributed to the</a:t>
             </a:r>
           </a:p>
           <a:p>
@@ -6723,7 +6743,7 @@
             </a:pPr>
             <a:r>
               <a:rPr lang="en-US" sz="1600" dirty="0"/>
-              <a:t>However, the data is not consistent for 2015. </a:t>
+              <a:t>start of a fire.  However, the data is not</a:t>
             </a:r>
           </a:p>
           <a:p>
@@ -6733,6 +6753,18 @@
               </a:lnSpc>
               <a:buNone/>
             </a:pPr>
+            <a:r>
+              <a:rPr lang="en-US" sz="1600" dirty="0"/>
+              <a:t>consistent for 2015. </a:t>
+            </a:r>
+          </a:p>
+          <a:p>
+            <a:pPr marL="0" indent="0">
+              <a:lnSpc>
+                <a:spcPct val="80000"/>
+              </a:lnSpc>
+              <a:buNone/>
+            </a:pPr>
             <a:endParaRPr lang="en-US" sz="1400" dirty="0"/>
           </a:p>
           <a:p>
@@ -6762,7 +6794,7 @@
             </a:pPr>
             <a:r>
               <a:rPr lang="en-US" sz="1400" dirty="0"/>
-              <a:t>Lower longitude = Western California </a:t>
+              <a:t>Cape Mendocino 124.4095° W</a:t>
             </a:r>
           </a:p>
           <a:p>
@@ -6774,7 +6806,19 @@
             </a:pPr>
             <a:r>
               <a:rPr lang="en-US" sz="1400" dirty="0"/>
-              <a:t>Higher longitude = Eastern California</a:t>
+              <a:t>Fresno 119.7871° W</a:t>
+            </a:r>
+          </a:p>
+          <a:p>
+            <a:pPr marL="0" indent="0">
+              <a:lnSpc>
+                <a:spcPct val="80000"/>
+              </a:lnSpc>
+              <a:buNone/>
+            </a:pPr>
+            <a:r>
+              <a:rPr lang="en-US" sz="1400" dirty="0"/>
+              <a:t>Barstow 117.0173° W </a:t>
             </a:r>
           </a:p>
           <a:p>
@@ -8880,6 +8924,41 @@
           </a:prstGeom>
         </p:spPr>
       </p:pic>
+      <p:sp>
+        <p:nvSpPr>
+          <p:cNvPr id="2" name="TextBox 1">
+            <a:extLst>
+              <a:ext uri="{FF2B5EF4-FFF2-40B4-BE49-F238E27FC236}">
+                <a16:creationId xmlns:a16="http://schemas.microsoft.com/office/drawing/2014/main" id="{C24228C4-230B-5049-B2D0-87165978D361}"/>
+              </a:ext>
+            </a:extLst>
+          </p:cNvPr>
+          <p:cNvSpPr txBox="1"/>
+          <p:nvPr/>
+        </p:nvSpPr>
+        <p:spPr>
+          <a:xfrm>
+            <a:off x="3387534" y="5911334"/>
+            <a:ext cx="5256584" cy="369332"/>
+          </a:xfrm>
+          <a:prstGeom prst="rect">
+            <a:avLst/>
+          </a:prstGeom>
+          <a:noFill/>
+        </p:spPr>
+        <p:txBody>
+          <a:bodyPr wrap="square" rtlCol="0">
+            <a:spAutoFit/>
+          </a:bodyPr>
+          <a:lstStyle/>
+          <a:p>
+            <a:r>
+              <a:rPr lang="en-US" dirty="0"/>
+              <a:t>2013                  2015                   2018</a:t>
+            </a:r>
+          </a:p>
+        </p:txBody>
+      </p:sp>
     </p:spTree>
     <p:extLst>
       <p:ext uri="{BB962C8B-B14F-4D97-AF65-F5344CB8AC3E}">
@@ -9037,6 +9116,40 @@
           </a:prstGeom>
         </p:spPr>
       </p:pic>
+      <p:sp>
+        <p:nvSpPr>
+          <p:cNvPr id="2" name="Rectangle 1">
+            <a:extLst>
+              <a:ext uri="{FF2B5EF4-FFF2-40B4-BE49-F238E27FC236}">
+                <a16:creationId xmlns:a16="http://schemas.microsoft.com/office/drawing/2014/main" id="{E0746BED-B12F-2247-B15D-E3AFA58A3711}"/>
+              </a:ext>
+            </a:extLst>
+          </p:cNvPr>
+          <p:cNvSpPr/>
+          <p:nvPr/>
+        </p:nvSpPr>
+        <p:spPr>
+          <a:xfrm>
+            <a:off x="3347864" y="5942567"/>
+            <a:ext cx="4095993" cy="369332"/>
+          </a:xfrm>
+          <a:prstGeom prst="rect">
+            <a:avLst/>
+          </a:prstGeom>
+        </p:spPr>
+        <p:txBody>
+          <a:bodyPr wrap="none">
+            <a:spAutoFit/>
+          </a:bodyPr>
+          <a:lstStyle/>
+          <a:p>
+            <a:r>
+              <a:rPr lang="en-US" dirty="0"/>
+              <a:t>2013                  2015                   2018</a:t>
+            </a:r>
+          </a:p>
+        </p:txBody>
+      </p:sp>
     </p:spTree>
     <p:extLst>
       <p:ext uri="{BB962C8B-B14F-4D97-AF65-F5344CB8AC3E}">
@@ -10791,7 +10904,7 @@
             </a:pPr>
             <a:r>
               <a:rPr lang="en-US" sz="1600" dirty="0"/>
-              <a:t>temperatures can contribute to</a:t>
+              <a:t>temperatures (above 80 degrees) may  </a:t>
             </a:r>
           </a:p>
           <a:p>
@@ -10803,7 +10916,7 @@
             </a:pPr>
             <a:r>
               <a:rPr lang="en-US" sz="1600" dirty="0"/>
-              <a:t>the start of a fire. </a:t>
+              <a:t>contribute to the start of a fire. </a:t>
             </a:r>
           </a:p>
           <a:p>
@@ -10831,7 +10944,10 @@
               </a:lnSpc>
               <a:buNone/>
             </a:pPr>
-            <a:endParaRPr lang="en-US" sz="1400" dirty="0"/>
+            <a:r>
+              <a:rPr lang="en-US" sz="1200" dirty="0"/>
+              <a:t>San Diego  32.7157° N</a:t>
+            </a:r>
           </a:p>
           <a:p>
             <a:pPr marL="0" indent="0">
@@ -10841,8 +10957,8 @@
               <a:buNone/>
             </a:pPr>
             <a:r>
-              <a:rPr lang="en-US" sz="1400" dirty="0"/>
-              <a:t>Lower latitudes = Southern California </a:t>
+              <a:rPr lang="en-US" sz="1200" dirty="0"/>
+              <a:t>San Francisco 37.7749° N</a:t>
             </a:r>
           </a:p>
           <a:p>
@@ -10853,18 +10969,9 @@
               <a:buNone/>
             </a:pPr>
             <a:r>
-              <a:rPr lang="en-US" sz="1400" dirty="0"/>
-              <a:t>Higher latitudes = Northern California</a:t>
-            </a:r>
-          </a:p>
-          <a:p>
-            <a:pPr marL="0" indent="0">
-              <a:lnSpc>
-                <a:spcPct val="80000"/>
-              </a:lnSpc>
-              <a:buNone/>
-            </a:pPr>
-            <a:endParaRPr lang="en-US" sz="1400" dirty="0"/>
+              <a:rPr lang="en-US" sz="1200" dirty="0"/>
+              <a:t>Eureka 40.8021° N</a:t>
+            </a:r>
           </a:p>
           <a:p>
             <a:pPr marL="0" indent="0">
@@ -11258,7 +11365,7 @@
             </a:pPr>
             <a:r>
               <a:rPr lang="en-US" sz="1600" dirty="0"/>
-              <a:t>temperatures can contribute to</a:t>
+              <a:t>temperatures (above 80 degrees) may  </a:t>
             </a:r>
           </a:p>
           <a:p>
@@ -11270,7 +11377,7 @@
             </a:pPr>
             <a:r>
               <a:rPr lang="en-US" sz="1600" dirty="0"/>
-              <a:t>the start of a fire. </a:t>
+              <a:t>contribute to the start of a fire. </a:t>
             </a:r>
           </a:p>
           <a:p>
@@ -11298,7 +11405,10 @@
               </a:lnSpc>
               <a:buNone/>
             </a:pPr>
-            <a:endParaRPr lang="en-US" sz="1400" dirty="0"/>
+            <a:r>
+              <a:rPr lang="en-US" sz="1200" dirty="0"/>
+              <a:t>Cape Mendocino 124.4095° W</a:t>
+            </a:r>
           </a:p>
           <a:p>
             <a:pPr marL="0" indent="0">
@@ -11308,8 +11418,8 @@
               <a:buNone/>
             </a:pPr>
             <a:r>
-              <a:rPr lang="en-US" sz="1400" dirty="0"/>
-              <a:t>Lower longitude = Western California </a:t>
+              <a:rPr lang="en-US" sz="1200" dirty="0"/>
+              <a:t>Fresno 119.7871° W</a:t>
             </a:r>
           </a:p>
           <a:p>
@@ -11320,18 +11430,9 @@
               <a:buNone/>
             </a:pPr>
             <a:r>
-              <a:rPr lang="en-US" sz="1400" dirty="0"/>
-              <a:t>Higher longitude = Eastern California</a:t>
-            </a:r>
-          </a:p>
-          <a:p>
-            <a:pPr marL="0" indent="0">
-              <a:lnSpc>
-                <a:spcPct val="80000"/>
-              </a:lnSpc>
-              <a:buNone/>
-            </a:pPr>
-            <a:endParaRPr lang="en-US" sz="1400" dirty="0"/>
+              <a:rPr lang="en-US" sz="1200" dirty="0"/>
+              <a:t>Barstow 117.0173° W </a:t>
+            </a:r>
           </a:p>
           <a:p>
             <a:pPr marL="0" indent="0">
@@ -11701,7 +11802,7 @@
             </a:pPr>
             <a:r>
               <a:rPr lang="en-US" sz="1600" dirty="0"/>
-              <a:t>Yes, based on this data, lower humidity rates in</a:t>
+              <a:t>Yes, based on this data, lower humidity rates</a:t>
             </a:r>
           </a:p>
           <a:p>
@@ -11713,7 +11814,7 @@
             </a:pPr>
             <a:r>
               <a:rPr lang="en-US" sz="1600" dirty="0"/>
-              <a:t>2013 and 2018 did contribute to the start of a fire. </a:t>
+              <a:t>in 2013 and 2018 may have contributed to the</a:t>
             </a:r>
           </a:p>
           <a:p>
@@ -11725,7 +11826,7 @@
             </a:pPr>
             <a:r>
               <a:rPr lang="en-US" sz="1600" dirty="0"/>
-              <a:t>However, the data is not consistent for 2015. </a:t>
+              <a:t>start of a fire.  However, the data is not</a:t>
             </a:r>
           </a:p>
           <a:p>
@@ -11735,6 +11836,18 @@
               </a:lnSpc>
               <a:buNone/>
             </a:pPr>
+            <a:r>
+              <a:rPr lang="en-US" sz="1600" dirty="0"/>
+              <a:t>consistent for 2015. </a:t>
+            </a:r>
+          </a:p>
+          <a:p>
+            <a:pPr marL="0" indent="0">
+              <a:lnSpc>
+                <a:spcPct val="80000"/>
+              </a:lnSpc>
+              <a:buNone/>
+            </a:pPr>
             <a:endParaRPr lang="en-US" sz="1400" dirty="0"/>
           </a:p>
           <a:p>
@@ -11753,7 +11866,10 @@
               </a:lnSpc>
               <a:buNone/>
             </a:pPr>
-            <a:endParaRPr lang="en-US" sz="1400" dirty="0"/>
+            <a:r>
+              <a:rPr lang="en-US" sz="1200" dirty="0"/>
+              <a:t>San Diego  32.7157° N</a:t>
+            </a:r>
           </a:p>
           <a:p>
             <a:pPr marL="0" indent="0">
@@ -11763,8 +11879,8 @@
               <a:buNone/>
             </a:pPr>
             <a:r>
-              <a:rPr lang="en-US" sz="1400" dirty="0"/>
-              <a:t>Lower latitudes = Southern California </a:t>
+              <a:rPr lang="en-US" sz="1200" dirty="0"/>
+              <a:t>San Francisco 37.7749° N</a:t>
             </a:r>
           </a:p>
           <a:p>
@@ -11775,8 +11891,8 @@
               <a:buNone/>
             </a:pPr>
             <a:r>
-              <a:rPr lang="en-US" sz="1400" dirty="0"/>
-              <a:t>Higher latitudes = Northern California</a:t>
+              <a:rPr lang="en-US" sz="1200" dirty="0"/>
+              <a:t>Eureka 40.8021° N</a:t>
             </a:r>
           </a:p>
           <a:p>
